--- a/Project1.pptx
+++ b/Project1.pptx
@@ -13,7 +13,17 @@
     <p:sldId id="261" r:id="rId7"/>
     <p:sldId id="262" r:id="rId8"/>
     <p:sldId id="263" r:id="rId9"/>
-    <p:sldId id="264" r:id="rId10"/>
+    <p:sldId id="265" r:id="rId10"/>
+    <p:sldId id="266" r:id="rId11"/>
+    <p:sldId id="268" r:id="rId12"/>
+    <p:sldId id="269" r:id="rId13"/>
+    <p:sldId id="270" r:id="rId14"/>
+    <p:sldId id="271" r:id="rId15"/>
+    <p:sldId id="272" r:id="rId16"/>
+    <p:sldId id="264" r:id="rId17"/>
+    <p:sldId id="267" r:id="rId18"/>
+    <p:sldId id="273" r:id="rId19"/>
+    <p:sldId id="274" r:id="rId20"/>
   </p:sldIdLst>
   <p:sldSz cx="12192000" cy="6858000"/>
   <p:notesSz cx="6858000" cy="9144000"/>
@@ -112,6 +122,11 @@
       </a:defRPr>
     </a:lvl9pPr>
   </p:defaultTextStyle>
+  <p:extLst>
+    <p:ext uri="{EFAFB233-063F-42B5-8137-9DF3F51BA10A}">
+      <p15:sldGuideLst xmlns:p15="http://schemas.microsoft.com/office/powerpoint/2012/main"/>
+    </p:ext>
+  </p:extLst>
 </p:presentation>
 </file>
 
@@ -171,7 +186,7 @@
           </a:lstStyle>
           <a:p>
             <a:r>
-              <a:rPr lang="en-US" smtClean="0"/>
+              <a:rPr lang="en-US"/>
               <a:t>Click to edit Master title style</a:t>
             </a:r>
             <a:endParaRPr lang="en-US" dirty="0"/>
@@ -247,7 +262,7 @@
           </a:lstStyle>
           <a:p>
             <a:r>
-              <a:rPr lang="en-US" smtClean="0"/>
+              <a:rPr lang="en-US"/>
               <a:t>Click to edit Master subtitle style</a:t>
             </a:r>
             <a:endParaRPr lang="en-US" dirty="0"/>
@@ -285,7 +300,7 @@
             <a:fld id="{87DE6118-2437-4B30-8E3C-4D2BE6020583}" type="datetimeFigureOut">
               <a:rPr lang="en-US" dirty="0"/>
               <a:pPr/>
-              <a:t>11/19/2019</a:t>
+              <a:t>11/21/2019</a:t>
             </a:fld>
             <a:endParaRPr lang="en-US" dirty="0"/>
           </a:p>
@@ -530,7 +545,7 @@
           <a:lstStyle/>
           <a:p>
             <a:r>
-              <a:rPr lang="en-US" smtClean="0"/>
+              <a:rPr lang="en-US"/>
               <a:t>Click to edit Master title style</a:t>
             </a:r>
             <a:endParaRPr lang="en-US" dirty="0"/>
@@ -559,35 +574,35 @@
           <a:p>
             <a:pPr lvl="0"/>
             <a:r>
-              <a:rPr lang="en-US" smtClean="0"/>
+              <a:rPr lang="en-US"/>
               <a:t>Edit Master text styles</a:t>
             </a:r>
           </a:p>
           <a:p>
             <a:pPr lvl="1"/>
             <a:r>
-              <a:rPr lang="en-US" smtClean="0"/>
+              <a:rPr lang="en-US"/>
               <a:t>Second level</a:t>
             </a:r>
           </a:p>
           <a:p>
             <a:pPr lvl="2"/>
             <a:r>
-              <a:rPr lang="en-US" smtClean="0"/>
+              <a:rPr lang="en-US"/>
               <a:t>Third level</a:t>
             </a:r>
           </a:p>
           <a:p>
             <a:pPr lvl="3"/>
             <a:r>
-              <a:rPr lang="en-US" smtClean="0"/>
+              <a:rPr lang="en-US"/>
               <a:t>Fourth level</a:t>
             </a:r>
           </a:p>
           <a:p>
             <a:pPr lvl="4"/>
             <a:r>
-              <a:rPr lang="en-US" smtClean="0"/>
+              <a:rPr lang="en-US"/>
               <a:t>Fifth level</a:t>
             </a:r>
             <a:endParaRPr lang="en-US" dirty="0"/>
@@ -611,7 +626,7 @@
           <a:p>
             <a:fld id="{87DE6118-2437-4B30-8E3C-4D2BE6020583}" type="datetimeFigureOut">
               <a:rPr lang="en-US" dirty="0"/>
-              <a:t>11/19/2019</a:t>
+              <a:t>11/21/2019</a:t>
             </a:fld>
             <a:endParaRPr lang="en-US" dirty="0"/>
           </a:p>
@@ -705,7 +720,7 @@
           <a:lstStyle/>
           <a:p>
             <a:r>
-              <a:rPr lang="en-US" smtClean="0"/>
+              <a:rPr lang="en-US"/>
               <a:t>Click to edit Master title style</a:t>
             </a:r>
             <a:endParaRPr lang="en-US" dirty="0"/>
@@ -734,35 +749,35 @@
           <a:p>
             <a:pPr lvl="0"/>
             <a:r>
-              <a:rPr lang="en-US" smtClean="0"/>
+              <a:rPr lang="en-US"/>
               <a:t>Edit Master text styles</a:t>
             </a:r>
           </a:p>
           <a:p>
             <a:pPr lvl="1"/>
             <a:r>
-              <a:rPr lang="en-US" smtClean="0"/>
+              <a:rPr lang="en-US"/>
               <a:t>Second level</a:t>
             </a:r>
           </a:p>
           <a:p>
             <a:pPr lvl="2"/>
             <a:r>
-              <a:rPr lang="en-US" smtClean="0"/>
+              <a:rPr lang="en-US"/>
               <a:t>Third level</a:t>
             </a:r>
           </a:p>
           <a:p>
             <a:pPr lvl="3"/>
             <a:r>
-              <a:rPr lang="en-US" smtClean="0"/>
+              <a:rPr lang="en-US"/>
               <a:t>Fourth level</a:t>
             </a:r>
           </a:p>
           <a:p>
             <a:pPr lvl="4"/>
             <a:r>
-              <a:rPr lang="en-US" smtClean="0"/>
+              <a:rPr lang="en-US"/>
               <a:t>Fifth level</a:t>
             </a:r>
             <a:endParaRPr lang="en-US" dirty="0"/>
@@ -786,7 +801,7 @@
           <a:p>
             <a:fld id="{87DE6118-2437-4B30-8E3C-4D2BE6020583}" type="datetimeFigureOut">
               <a:rPr lang="en-US" dirty="0"/>
-              <a:t>11/19/2019</a:t>
+              <a:t>11/21/2019</a:t>
             </a:fld>
             <a:endParaRPr lang="en-US" dirty="0"/>
           </a:p>
@@ -875,7 +890,7 @@
           <a:lstStyle/>
           <a:p>
             <a:r>
-              <a:rPr lang="en-US" smtClean="0"/>
+              <a:rPr lang="en-US"/>
               <a:t>Click to edit Master title style</a:t>
             </a:r>
             <a:endParaRPr lang="en-US" dirty="0"/>
@@ -899,35 +914,35 @@
           <a:p>
             <a:pPr lvl="0"/>
             <a:r>
-              <a:rPr lang="en-US" smtClean="0"/>
+              <a:rPr lang="en-US"/>
               <a:t>Edit Master text styles</a:t>
             </a:r>
           </a:p>
           <a:p>
             <a:pPr lvl="1"/>
             <a:r>
-              <a:rPr lang="en-US" smtClean="0"/>
+              <a:rPr lang="en-US"/>
               <a:t>Second level</a:t>
             </a:r>
           </a:p>
           <a:p>
             <a:pPr lvl="2"/>
             <a:r>
-              <a:rPr lang="en-US" smtClean="0"/>
+              <a:rPr lang="en-US"/>
               <a:t>Third level</a:t>
             </a:r>
           </a:p>
           <a:p>
             <a:pPr lvl="3"/>
             <a:r>
-              <a:rPr lang="en-US" smtClean="0"/>
+              <a:rPr lang="en-US"/>
               <a:t>Fourth level</a:t>
             </a:r>
           </a:p>
           <a:p>
             <a:pPr lvl="4"/>
             <a:r>
-              <a:rPr lang="en-US" smtClean="0"/>
+              <a:rPr lang="en-US"/>
               <a:t>Fifth level</a:t>
             </a:r>
             <a:endParaRPr lang="en-US" dirty="0"/>
@@ -951,7 +966,7 @@
           <a:p>
             <a:fld id="{87DE6118-2437-4B30-8E3C-4D2BE6020583}" type="datetimeFigureOut">
               <a:rPr lang="en-US" dirty="0"/>
-              <a:t>11/19/2019</a:t>
+              <a:t>11/21/2019</a:t>
             </a:fld>
             <a:endParaRPr lang="en-US" dirty="0"/>
           </a:p>
@@ -1060,7 +1075,7 @@
           </a:lstStyle>
           <a:p>
             <a:r>
-              <a:rPr lang="en-US" smtClean="0"/>
+              <a:rPr lang="en-US"/>
               <a:t>Click to edit Master title style</a:t>
             </a:r>
             <a:endParaRPr lang="en-US" dirty="0"/>
@@ -1187,7 +1202,7 @@
           <a:p>
             <a:pPr lvl="0"/>
             <a:r>
-              <a:rPr lang="en-US" smtClean="0"/>
+              <a:rPr lang="en-US"/>
               <a:t>Edit Master text styles</a:t>
             </a:r>
           </a:p>
@@ -1224,7 +1239,7 @@
             <a:fld id="{87DE6118-2437-4B30-8E3C-4D2BE6020583}" type="datetimeFigureOut">
               <a:rPr lang="en-US" dirty="0"/>
               <a:pPr/>
-              <a:t>11/19/2019</a:t>
+              <a:t>11/21/2019</a:t>
             </a:fld>
             <a:endParaRPr lang="en-US" dirty="0"/>
           </a:p>
@@ -1404,7 +1419,7 @@
           </a:lstStyle>
           <a:p>
             <a:r>
-              <a:rPr lang="en-US" smtClean="0"/>
+              <a:rPr lang="en-US"/>
               <a:t>Click to edit Master title style</a:t>
             </a:r>
             <a:endParaRPr lang="en-US" dirty="0"/>
@@ -1469,35 +1484,35 @@
           <a:p>
             <a:pPr lvl="0"/>
             <a:r>
-              <a:rPr lang="en-US" smtClean="0"/>
+              <a:rPr lang="en-US"/>
               <a:t>Edit Master text styles</a:t>
             </a:r>
           </a:p>
           <a:p>
             <a:pPr lvl="1"/>
             <a:r>
-              <a:rPr lang="en-US" smtClean="0"/>
+              <a:rPr lang="en-US"/>
               <a:t>Second level</a:t>
             </a:r>
           </a:p>
           <a:p>
             <a:pPr lvl="2"/>
             <a:r>
-              <a:rPr lang="en-US" smtClean="0"/>
+              <a:rPr lang="en-US"/>
               <a:t>Third level</a:t>
             </a:r>
           </a:p>
           <a:p>
             <a:pPr lvl="3"/>
             <a:r>
-              <a:rPr lang="en-US" smtClean="0"/>
+              <a:rPr lang="en-US"/>
               <a:t>Fourth level</a:t>
             </a:r>
           </a:p>
           <a:p>
             <a:pPr lvl="4"/>
             <a:r>
-              <a:rPr lang="en-US" smtClean="0"/>
+              <a:rPr lang="en-US"/>
               <a:t>Fifth level</a:t>
             </a:r>
             <a:endParaRPr lang="en-US" dirty="0"/>
@@ -1562,35 +1577,35 @@
           <a:p>
             <a:pPr lvl="0"/>
             <a:r>
-              <a:rPr lang="en-US" smtClean="0"/>
+              <a:rPr lang="en-US"/>
               <a:t>Edit Master text styles</a:t>
             </a:r>
           </a:p>
           <a:p>
             <a:pPr lvl="1"/>
             <a:r>
-              <a:rPr lang="en-US" smtClean="0"/>
+              <a:rPr lang="en-US"/>
               <a:t>Second level</a:t>
             </a:r>
           </a:p>
           <a:p>
             <a:pPr lvl="2"/>
             <a:r>
-              <a:rPr lang="en-US" smtClean="0"/>
+              <a:rPr lang="en-US"/>
               <a:t>Third level</a:t>
             </a:r>
           </a:p>
           <a:p>
             <a:pPr lvl="3"/>
             <a:r>
-              <a:rPr lang="en-US" smtClean="0"/>
+              <a:rPr lang="en-US"/>
               <a:t>Fourth level</a:t>
             </a:r>
           </a:p>
           <a:p>
             <a:pPr lvl="4"/>
             <a:r>
-              <a:rPr lang="en-US" smtClean="0"/>
+              <a:rPr lang="en-US"/>
               <a:t>Fifth level</a:t>
             </a:r>
             <a:endParaRPr lang="en-US" dirty="0"/>
@@ -1614,7 +1629,7 @@
           <a:p>
             <a:fld id="{87DE6118-2437-4B30-8E3C-4D2BE6020583}" type="datetimeFigureOut">
               <a:rPr lang="en-US" dirty="0"/>
-              <a:t>11/19/2019</a:t>
+              <a:t>11/21/2019</a:t>
             </a:fld>
             <a:endParaRPr lang="en-US" dirty="0"/>
           </a:p>
@@ -1716,7 +1731,7 @@
           </a:lstStyle>
           <a:p>
             <a:r>
-              <a:rPr lang="en-US" smtClean="0"/>
+              <a:rPr lang="en-US"/>
               <a:t>Click to edit Master title style</a:t>
             </a:r>
             <a:endParaRPr lang="en-US" dirty="0"/>
@@ -1797,7 +1812,7 @@
           <a:p>
             <a:pPr lvl="0"/>
             <a:r>
-              <a:rPr lang="en-US" smtClean="0"/>
+              <a:rPr lang="en-US"/>
               <a:t>Edit Master text styles</a:t>
             </a:r>
           </a:p>
@@ -1861,35 +1876,35 @@
           <a:p>
             <a:pPr lvl="0"/>
             <a:r>
-              <a:rPr lang="en-US" smtClean="0"/>
+              <a:rPr lang="en-US"/>
               <a:t>Edit Master text styles</a:t>
             </a:r>
           </a:p>
           <a:p>
             <a:pPr lvl="1"/>
             <a:r>
-              <a:rPr lang="en-US" smtClean="0"/>
+              <a:rPr lang="en-US"/>
               <a:t>Second level</a:t>
             </a:r>
           </a:p>
           <a:p>
             <a:pPr lvl="2"/>
             <a:r>
-              <a:rPr lang="en-US" smtClean="0"/>
+              <a:rPr lang="en-US"/>
               <a:t>Third level</a:t>
             </a:r>
           </a:p>
           <a:p>
             <a:pPr lvl="3"/>
             <a:r>
-              <a:rPr lang="en-US" smtClean="0"/>
+              <a:rPr lang="en-US"/>
               <a:t>Fourth level</a:t>
             </a:r>
           </a:p>
           <a:p>
             <a:pPr lvl="4"/>
             <a:r>
-              <a:rPr lang="en-US" smtClean="0"/>
+              <a:rPr lang="en-US"/>
               <a:t>Fifth level</a:t>
             </a:r>
             <a:endParaRPr lang="en-US" dirty="0"/>
@@ -1970,7 +1985,7 @@
           <a:p>
             <a:pPr lvl="0"/>
             <a:r>
-              <a:rPr lang="en-US" smtClean="0"/>
+              <a:rPr lang="en-US"/>
               <a:t>Edit Master text styles</a:t>
             </a:r>
           </a:p>
@@ -2034,35 +2049,35 @@
           <a:p>
             <a:pPr lvl="0"/>
             <a:r>
-              <a:rPr lang="en-US" smtClean="0"/>
+              <a:rPr lang="en-US"/>
               <a:t>Edit Master text styles</a:t>
             </a:r>
           </a:p>
           <a:p>
             <a:pPr lvl="1"/>
             <a:r>
-              <a:rPr lang="en-US" smtClean="0"/>
+              <a:rPr lang="en-US"/>
               <a:t>Second level</a:t>
             </a:r>
           </a:p>
           <a:p>
             <a:pPr lvl="2"/>
             <a:r>
-              <a:rPr lang="en-US" smtClean="0"/>
+              <a:rPr lang="en-US"/>
               <a:t>Third level</a:t>
             </a:r>
           </a:p>
           <a:p>
             <a:pPr lvl="3"/>
             <a:r>
-              <a:rPr lang="en-US" smtClean="0"/>
+              <a:rPr lang="en-US"/>
               <a:t>Fourth level</a:t>
             </a:r>
           </a:p>
           <a:p>
             <a:pPr lvl="4"/>
             <a:r>
-              <a:rPr lang="en-US" smtClean="0"/>
+              <a:rPr lang="en-US"/>
               <a:t>Fifth level</a:t>
             </a:r>
             <a:endParaRPr lang="en-US" dirty="0"/>
@@ -2086,7 +2101,7 @@
           <a:p>
             <a:fld id="{87DE6118-2437-4B30-8E3C-4D2BE6020583}" type="datetimeFigureOut">
               <a:rPr lang="en-US" dirty="0"/>
-              <a:t>11/19/2019</a:t>
+              <a:t>11/21/2019</a:t>
             </a:fld>
             <a:endParaRPr lang="en-US" dirty="0"/>
           </a:p>
@@ -2175,7 +2190,7 @@
           <a:lstStyle/>
           <a:p>
             <a:r>
-              <a:rPr lang="en-US" smtClean="0"/>
+              <a:rPr lang="en-US"/>
               <a:t>Click to edit Master title style</a:t>
             </a:r>
             <a:endParaRPr lang="en-US" dirty="0"/>
@@ -2199,7 +2214,7 @@
           <a:p>
             <a:fld id="{87DE6118-2437-4B30-8E3C-4D2BE6020583}" type="datetimeFigureOut">
               <a:rPr lang="en-US" dirty="0"/>
-              <a:t>11/19/2019</a:t>
+              <a:t>11/21/2019</a:t>
             </a:fld>
             <a:endParaRPr lang="en-US" dirty="0"/>
           </a:p>
@@ -2289,7 +2304,7 @@
           <a:p>
             <a:fld id="{87DE6118-2437-4B30-8E3C-4D2BE6020583}" type="datetimeFigureOut">
               <a:rPr lang="en-US" dirty="0"/>
-              <a:t>11/19/2019</a:t>
+              <a:t>11/21/2019</a:t>
             </a:fld>
             <a:endParaRPr lang="en-US" dirty="0"/>
           </a:p>
@@ -2434,7 +2449,7 @@
           </a:lstStyle>
           <a:p>
             <a:r>
-              <a:rPr lang="en-US" smtClean="0"/>
+              <a:rPr lang="en-US"/>
               <a:t>Click to edit Master title style</a:t>
             </a:r>
             <a:endParaRPr lang="en-US" dirty="0"/>
@@ -2491,35 +2506,35 @@
           <a:p>
             <a:pPr lvl="0"/>
             <a:r>
-              <a:rPr lang="en-US" smtClean="0"/>
+              <a:rPr lang="en-US"/>
               <a:t>Edit Master text styles</a:t>
             </a:r>
           </a:p>
           <a:p>
             <a:pPr lvl="1"/>
             <a:r>
-              <a:rPr lang="en-US" smtClean="0"/>
+              <a:rPr lang="en-US"/>
               <a:t>Second level</a:t>
             </a:r>
           </a:p>
           <a:p>
             <a:pPr lvl="2"/>
             <a:r>
-              <a:rPr lang="en-US" smtClean="0"/>
+              <a:rPr lang="en-US"/>
               <a:t>Third level</a:t>
             </a:r>
           </a:p>
           <a:p>
             <a:pPr lvl="3"/>
             <a:r>
-              <a:rPr lang="en-US" smtClean="0"/>
+              <a:rPr lang="en-US"/>
               <a:t>Fourth level</a:t>
             </a:r>
           </a:p>
           <a:p>
             <a:pPr lvl="4"/>
             <a:r>
-              <a:rPr lang="en-US" smtClean="0"/>
+              <a:rPr lang="en-US"/>
               <a:t>Fifth level</a:t>
             </a:r>
             <a:endParaRPr lang="en-US" dirty="0"/>
@@ -2594,7 +2609,7 @@
           <a:p>
             <a:pPr lvl="0"/>
             <a:r>
-              <a:rPr lang="en-US" smtClean="0"/>
+              <a:rPr lang="en-US"/>
               <a:t>Edit Master text styles</a:t>
             </a:r>
           </a:p>
@@ -2631,7 +2646,7 @@
             <a:fld id="{87DE6118-2437-4B30-8E3C-4D2BE6020583}" type="datetimeFigureOut">
               <a:rPr lang="en-US" dirty="0"/>
               <a:pPr/>
-              <a:t>11/19/2019</a:t>
+              <a:t>11/21/2019</a:t>
             </a:fld>
             <a:endParaRPr lang="en-US" dirty="0"/>
           </a:p>
@@ -2837,7 +2852,7 @@
           </a:lstStyle>
           <a:p>
             <a:r>
-              <a:rPr lang="en-US" smtClean="0"/>
+              <a:rPr lang="en-US"/>
               <a:t>Click to edit Master title style</a:t>
             </a:r>
             <a:endParaRPr lang="en-US" dirty="0"/>
@@ -2904,7 +2919,7 @@
           </a:lstStyle>
           <a:p>
             <a:r>
-              <a:rPr lang="en-US" smtClean="0"/>
+              <a:rPr lang="en-US"/>
               <a:t>Click icon to add picture</a:t>
             </a:r>
             <a:endParaRPr lang="en-US" dirty="0"/>
@@ -2979,7 +2994,7 @@
           <a:p>
             <a:pPr lvl="0"/>
             <a:r>
-              <a:rPr lang="en-US" smtClean="0"/>
+              <a:rPr lang="en-US"/>
               <a:t>Edit Master text styles</a:t>
             </a:r>
           </a:p>
@@ -3016,7 +3031,7 @@
             <a:fld id="{87DE6118-2437-4B30-8E3C-4D2BE6020583}" type="datetimeFigureOut">
               <a:rPr lang="en-US" dirty="0"/>
               <a:pPr/>
-              <a:t>11/19/2019</a:t>
+              <a:t>11/21/2019</a:t>
             </a:fld>
             <a:endParaRPr lang="en-US" dirty="0"/>
           </a:p>
@@ -3188,7 +3203,7 @@
           <a:lstStyle/>
           <a:p>
             <a:r>
-              <a:rPr lang="en-US" smtClean="0"/>
+              <a:rPr lang="en-US"/>
               <a:t>Click to edit Master title style</a:t>
             </a:r>
             <a:endParaRPr lang="en-US" dirty="0"/>
@@ -3222,35 +3237,35 @@
           <a:p>
             <a:pPr lvl="0"/>
             <a:r>
-              <a:rPr lang="en-US" smtClean="0"/>
+              <a:rPr lang="en-US"/>
               <a:t>Edit Master text styles</a:t>
             </a:r>
           </a:p>
           <a:p>
             <a:pPr lvl="1"/>
             <a:r>
-              <a:rPr lang="en-US" smtClean="0"/>
+              <a:rPr lang="en-US"/>
               <a:t>Second level</a:t>
             </a:r>
           </a:p>
           <a:p>
             <a:pPr lvl="2"/>
             <a:r>
-              <a:rPr lang="en-US" smtClean="0"/>
+              <a:rPr lang="en-US"/>
               <a:t>Third level</a:t>
             </a:r>
           </a:p>
           <a:p>
             <a:pPr lvl="3"/>
             <a:r>
-              <a:rPr lang="en-US" smtClean="0"/>
+              <a:rPr lang="en-US"/>
               <a:t>Fourth level</a:t>
             </a:r>
           </a:p>
           <a:p>
             <a:pPr lvl="4"/>
             <a:r>
-              <a:rPr lang="en-US" smtClean="0"/>
+              <a:rPr lang="en-US"/>
               <a:t>Fifth level</a:t>
             </a:r>
             <a:endParaRPr lang="en-US" dirty="0"/>
@@ -3291,7 +3306,7 @@
             <a:fld id="{87DE6118-2437-4B30-8E3C-4D2BE6020583}" type="datetimeFigureOut">
               <a:rPr lang="en-US" dirty="0"/>
               <a:pPr/>
-              <a:t>11/19/2019</a:t>
+              <a:t>11/21/2019</a:t>
             </a:fld>
             <a:endParaRPr lang="en-US" dirty="0"/>
           </a:p>
@@ -3733,7 +3748,7 @@
       </a:lvl9pPr>
     </p:otherStyle>
   </p:txStyles>
-  <p:extLst mod="1">
+  <p:extLst>
     <p:ext uri="{27BBF7A9-308A-43DC-89C8-2F10F3537804}">
       <p15:sldGuideLst xmlns:p15="http://schemas.microsoft.com/office/powerpoint/2012/main">
         <p15:guide id="3" orient="horz" pos="1368">
@@ -3815,10 +3830,9 @@
           <a:lstStyle/>
           <a:p>
             <a:r>
-              <a:rPr lang="en-US" dirty="0" smtClean="0"/>
+              <a:rPr lang="en-US" dirty="0"/>
               <a:t>Does money buy happiness?</a:t>
             </a:r>
-            <a:endParaRPr lang="en-US" dirty="0"/>
           </a:p>
         </p:txBody>
       </p:sp>
@@ -3845,28 +3859,23 @@
           <a:lstStyle/>
           <a:p>
             <a:r>
-              <a:rPr lang="en-US" b="1" dirty="0" smtClean="0"/>
+              <a:rPr lang="en-US" b="1" dirty="0"/>
               <a:t>The Happiness Hunters</a:t>
             </a:r>
           </a:p>
           <a:p>
             <a:r>
               <a:rPr lang="en-US" dirty="0"/>
-              <a:t>David </a:t>
-            </a:r>
-            <a:r>
-              <a:rPr lang="en-US" dirty="0" smtClean="0"/>
-              <a:t>Nassif - </a:t>
-            </a:r>
-            <a:r>
-              <a:rPr lang="en-US" i="0" dirty="0" err="1" smtClean="0"/>
+              <a:t>David Nassif - </a:t>
+            </a:r>
+            <a:r>
+              <a:rPr lang="en-US" i="0" dirty="0" err="1"/>
               <a:t>DataFrame</a:t>
             </a:r>
             <a:r>
-              <a:rPr lang="en-US" i="0" dirty="0" smtClean="0"/>
+              <a:rPr lang="en-US" i="0" dirty="0"/>
               <a:t> Framer</a:t>
             </a:r>
-            <a:endParaRPr lang="en-US" i="0" dirty="0"/>
           </a:p>
           <a:p>
             <a:r>
@@ -3878,15 +3887,15 @@
               <a:t> </a:t>
             </a:r>
             <a:r>
-              <a:rPr lang="en-US" dirty="0" err="1" smtClean="0"/>
+              <a:rPr lang="en-US" dirty="0" err="1"/>
               <a:t>Pradeepkumar</a:t>
             </a:r>
             <a:r>
-              <a:rPr lang="en-US" dirty="0" smtClean="0"/>
+              <a:rPr lang="en-US" dirty="0"/>
               <a:t> - </a:t>
             </a:r>
             <a:r>
-              <a:rPr lang="en-US" i="0" dirty="0" smtClean="0"/>
+              <a:rPr lang="en-US" i="0" dirty="0"/>
               <a:t>The Calculator</a:t>
             </a:r>
           </a:p>
@@ -3915,13 +3924,1113 @@
   <p:clrMapOvr>
     <a:masterClrMapping/>
   </p:clrMapOvr>
-  <p:timing>
-    <p:tnLst>
-      <p:par>
-        <p:cTn id="1" dur="indefinite" restart="never" nodeType="tmRoot"/>
-      </p:par>
-    </p:tnLst>
-  </p:timing>
+</p:sld>
+</file>
+
+<file path=ppt/slides/slide10.xml><?xml version="1.0" encoding="utf-8"?>
+<p:sld xmlns:a="http://schemas.openxmlformats.org/drawingml/2006/main" xmlns:r="http://schemas.openxmlformats.org/officeDocument/2006/relationships" xmlns:p="http://schemas.openxmlformats.org/presentationml/2006/main">
+  <p:cSld>
+    <p:spTree>
+      <p:nvGrpSpPr>
+        <p:cNvPr id="1" name=""/>
+        <p:cNvGrpSpPr/>
+        <p:nvPr/>
+      </p:nvGrpSpPr>
+      <p:grpSpPr>
+        <a:xfrm>
+          <a:off x="0" y="0"/>
+          <a:ext cx="0" cy="0"/>
+          <a:chOff x="0" y="0"/>
+          <a:chExt cx="0" cy="0"/>
+        </a:xfrm>
+      </p:grpSpPr>
+      <p:pic>
+        <p:nvPicPr>
+          <p:cNvPr id="5122" name="Picture 2">
+            <a:extLst>
+              <a:ext uri="{FF2B5EF4-FFF2-40B4-BE49-F238E27FC236}">
+                <a16:creationId xmlns:a16="http://schemas.microsoft.com/office/drawing/2014/main" id="{6D1BEE93-F9DD-4C12-AE67-0FD449477FD8}"/>
+              </a:ext>
+            </a:extLst>
+          </p:cNvPr>
+          <p:cNvPicPr>
+            <a:picLocks noChangeAspect="1" noChangeArrowheads="1"/>
+          </p:cNvPicPr>
+          <p:nvPr/>
+        </p:nvPicPr>
+        <p:blipFill>
+          <a:blip r:embed="rId2">
+            <a:extLst>
+              <a:ext uri="{28A0092B-C50C-407E-A947-70E740481C1C}">
+                <a14:useLocalDpi xmlns:a14="http://schemas.microsoft.com/office/drawing/2010/main" val="0"/>
+              </a:ext>
+            </a:extLst>
+          </a:blip>
+          <a:srcRect/>
+          <a:stretch>
+            <a:fillRect/>
+          </a:stretch>
+        </p:blipFill>
+        <p:spPr bwMode="auto">
+          <a:xfrm>
+            <a:off x="2000643" y="482821"/>
+            <a:ext cx="8190714" cy="5892357"/>
+          </a:xfrm>
+          <a:prstGeom prst="rect">
+            <a:avLst/>
+          </a:prstGeom>
+          <a:noFill/>
+          <a:extLst>
+            <a:ext uri="{909E8E84-426E-40DD-AFC4-6F175D3DCCD1}">
+              <a14:hiddenFill xmlns:a14="http://schemas.microsoft.com/office/drawing/2010/main">
+                <a:solidFill>
+                  <a:srgbClr val="FFFFFF"/>
+                </a:solidFill>
+              </a14:hiddenFill>
+            </a:ext>
+          </a:extLst>
+        </p:spPr>
+      </p:pic>
+    </p:spTree>
+    <p:extLst>
+      <p:ext uri="{BB962C8B-B14F-4D97-AF65-F5344CB8AC3E}">
+        <p14:creationId xmlns:p14="http://schemas.microsoft.com/office/powerpoint/2010/main" val="2051454342"/>
+      </p:ext>
+    </p:extLst>
+  </p:cSld>
+  <p:clrMapOvr>
+    <a:masterClrMapping/>
+  </p:clrMapOvr>
+</p:sld>
+</file>
+
+<file path=ppt/slides/slide11.xml><?xml version="1.0" encoding="utf-8"?>
+<p:sld xmlns:a="http://schemas.openxmlformats.org/drawingml/2006/main" xmlns:r="http://schemas.openxmlformats.org/officeDocument/2006/relationships" xmlns:p="http://schemas.openxmlformats.org/presentationml/2006/main">
+  <p:cSld>
+    <p:spTree>
+      <p:nvGrpSpPr>
+        <p:cNvPr id="1" name=""/>
+        <p:cNvGrpSpPr/>
+        <p:nvPr/>
+      </p:nvGrpSpPr>
+      <p:grpSpPr>
+        <a:xfrm>
+          <a:off x="0" y="0"/>
+          <a:ext cx="0" cy="0"/>
+          <a:chOff x="0" y="0"/>
+          <a:chExt cx="0" cy="0"/>
+        </a:xfrm>
+      </p:grpSpPr>
+      <p:pic>
+        <p:nvPicPr>
+          <p:cNvPr id="6146" name="Picture 2">
+            <a:extLst>
+              <a:ext uri="{FF2B5EF4-FFF2-40B4-BE49-F238E27FC236}">
+                <a16:creationId xmlns:a16="http://schemas.microsoft.com/office/drawing/2014/main" id="{FFFC2DF3-1140-4FD7-9E5A-4EEDC2102F5E}"/>
+              </a:ext>
+            </a:extLst>
+          </p:cNvPr>
+          <p:cNvPicPr>
+            <a:picLocks noChangeAspect="1" noChangeArrowheads="1"/>
+          </p:cNvPicPr>
+          <p:nvPr/>
+        </p:nvPicPr>
+        <p:blipFill>
+          <a:blip r:embed="rId2">
+            <a:extLst>
+              <a:ext uri="{28A0092B-C50C-407E-A947-70E740481C1C}">
+                <a14:useLocalDpi xmlns:a14="http://schemas.microsoft.com/office/drawing/2010/main" val="0"/>
+              </a:ext>
+            </a:extLst>
+          </a:blip>
+          <a:srcRect/>
+          <a:stretch>
+            <a:fillRect/>
+          </a:stretch>
+        </p:blipFill>
+        <p:spPr bwMode="auto">
+          <a:xfrm>
+            <a:off x="2003159" y="484632"/>
+            <a:ext cx="8185681" cy="5888736"/>
+          </a:xfrm>
+          <a:prstGeom prst="rect">
+            <a:avLst/>
+          </a:prstGeom>
+          <a:noFill/>
+          <a:extLst>
+            <a:ext uri="{909E8E84-426E-40DD-AFC4-6F175D3DCCD1}">
+              <a14:hiddenFill xmlns:a14="http://schemas.microsoft.com/office/drawing/2010/main">
+                <a:solidFill>
+                  <a:srgbClr val="FFFFFF"/>
+                </a:solidFill>
+              </a14:hiddenFill>
+            </a:ext>
+          </a:extLst>
+        </p:spPr>
+      </p:pic>
+    </p:spTree>
+    <p:extLst>
+      <p:ext uri="{BB962C8B-B14F-4D97-AF65-F5344CB8AC3E}">
+        <p14:creationId xmlns:p14="http://schemas.microsoft.com/office/powerpoint/2010/main" val="1707664924"/>
+      </p:ext>
+    </p:extLst>
+  </p:cSld>
+  <p:clrMapOvr>
+    <a:masterClrMapping/>
+  </p:clrMapOvr>
+</p:sld>
+</file>
+
+<file path=ppt/slides/slide12.xml><?xml version="1.0" encoding="utf-8"?>
+<p:sld xmlns:a="http://schemas.openxmlformats.org/drawingml/2006/main" xmlns:r="http://schemas.openxmlformats.org/officeDocument/2006/relationships" xmlns:p="http://schemas.openxmlformats.org/presentationml/2006/main">
+  <p:cSld>
+    <p:spTree>
+      <p:nvGrpSpPr>
+        <p:cNvPr id="1" name=""/>
+        <p:cNvGrpSpPr/>
+        <p:nvPr/>
+      </p:nvGrpSpPr>
+      <p:grpSpPr>
+        <a:xfrm>
+          <a:off x="0" y="0"/>
+          <a:ext cx="0" cy="0"/>
+          <a:chOff x="0" y="0"/>
+          <a:chExt cx="0" cy="0"/>
+        </a:xfrm>
+      </p:grpSpPr>
+      <p:pic>
+        <p:nvPicPr>
+          <p:cNvPr id="7170" name="Picture 2">
+            <a:extLst>
+              <a:ext uri="{FF2B5EF4-FFF2-40B4-BE49-F238E27FC236}">
+                <a16:creationId xmlns:a16="http://schemas.microsoft.com/office/drawing/2014/main" id="{52D2AF7F-5A6A-4131-BF59-CD5D995085CC}"/>
+              </a:ext>
+            </a:extLst>
+          </p:cNvPr>
+          <p:cNvPicPr>
+            <a:picLocks noChangeAspect="1" noChangeArrowheads="1"/>
+          </p:cNvPicPr>
+          <p:nvPr/>
+        </p:nvPicPr>
+        <p:blipFill>
+          <a:blip r:embed="rId2">
+            <a:extLst>
+              <a:ext uri="{28A0092B-C50C-407E-A947-70E740481C1C}">
+                <a14:useLocalDpi xmlns:a14="http://schemas.microsoft.com/office/drawing/2010/main" val="0"/>
+              </a:ext>
+            </a:extLst>
+          </a:blip>
+          <a:srcRect/>
+          <a:stretch>
+            <a:fillRect/>
+          </a:stretch>
+        </p:blipFill>
+        <p:spPr bwMode="auto">
+          <a:xfrm>
+            <a:off x="2003159" y="484632"/>
+            <a:ext cx="8185681" cy="5888736"/>
+          </a:xfrm>
+          <a:prstGeom prst="rect">
+            <a:avLst/>
+          </a:prstGeom>
+          <a:noFill/>
+          <a:extLst>
+            <a:ext uri="{909E8E84-426E-40DD-AFC4-6F175D3DCCD1}">
+              <a14:hiddenFill xmlns:a14="http://schemas.microsoft.com/office/drawing/2010/main">
+                <a:solidFill>
+                  <a:srgbClr val="FFFFFF"/>
+                </a:solidFill>
+              </a14:hiddenFill>
+            </a:ext>
+          </a:extLst>
+        </p:spPr>
+      </p:pic>
+    </p:spTree>
+    <p:extLst>
+      <p:ext uri="{BB962C8B-B14F-4D97-AF65-F5344CB8AC3E}">
+        <p14:creationId xmlns:p14="http://schemas.microsoft.com/office/powerpoint/2010/main" val="1124158613"/>
+      </p:ext>
+    </p:extLst>
+  </p:cSld>
+  <p:clrMapOvr>
+    <a:masterClrMapping/>
+  </p:clrMapOvr>
+</p:sld>
+</file>
+
+<file path=ppt/slides/slide13.xml><?xml version="1.0" encoding="utf-8"?>
+<p:sld xmlns:a="http://schemas.openxmlformats.org/drawingml/2006/main" xmlns:r="http://schemas.openxmlformats.org/officeDocument/2006/relationships" xmlns:p="http://schemas.openxmlformats.org/presentationml/2006/main">
+  <p:cSld>
+    <p:spTree>
+      <p:nvGrpSpPr>
+        <p:cNvPr id="1" name=""/>
+        <p:cNvGrpSpPr/>
+        <p:nvPr/>
+      </p:nvGrpSpPr>
+      <p:grpSpPr>
+        <a:xfrm>
+          <a:off x="0" y="0"/>
+          <a:ext cx="0" cy="0"/>
+          <a:chOff x="0" y="0"/>
+          <a:chExt cx="0" cy="0"/>
+        </a:xfrm>
+      </p:grpSpPr>
+      <p:pic>
+        <p:nvPicPr>
+          <p:cNvPr id="8194" name="Picture 2">
+            <a:extLst>
+              <a:ext uri="{FF2B5EF4-FFF2-40B4-BE49-F238E27FC236}">
+                <a16:creationId xmlns:a16="http://schemas.microsoft.com/office/drawing/2014/main" id="{C16C5B50-43B4-416D-AFE3-4FE8A383D69D}"/>
+              </a:ext>
+            </a:extLst>
+          </p:cNvPr>
+          <p:cNvPicPr>
+            <a:picLocks noChangeAspect="1" noChangeArrowheads="1"/>
+          </p:cNvPicPr>
+          <p:nvPr/>
+        </p:nvPicPr>
+        <p:blipFill>
+          <a:blip r:embed="rId2">
+            <a:extLst>
+              <a:ext uri="{28A0092B-C50C-407E-A947-70E740481C1C}">
+                <a14:useLocalDpi xmlns:a14="http://schemas.microsoft.com/office/drawing/2010/main" val="0"/>
+              </a:ext>
+            </a:extLst>
+          </a:blip>
+          <a:srcRect/>
+          <a:stretch>
+            <a:fillRect/>
+          </a:stretch>
+        </p:blipFill>
+        <p:spPr bwMode="auto">
+          <a:xfrm>
+            <a:off x="2003159" y="484632"/>
+            <a:ext cx="8185681" cy="5888736"/>
+          </a:xfrm>
+          <a:prstGeom prst="rect">
+            <a:avLst/>
+          </a:prstGeom>
+          <a:noFill/>
+          <a:extLst>
+            <a:ext uri="{909E8E84-426E-40DD-AFC4-6F175D3DCCD1}">
+              <a14:hiddenFill xmlns:a14="http://schemas.microsoft.com/office/drawing/2010/main">
+                <a:solidFill>
+                  <a:srgbClr val="FFFFFF"/>
+                </a:solidFill>
+              </a14:hiddenFill>
+            </a:ext>
+          </a:extLst>
+        </p:spPr>
+      </p:pic>
+    </p:spTree>
+    <p:extLst>
+      <p:ext uri="{BB962C8B-B14F-4D97-AF65-F5344CB8AC3E}">
+        <p14:creationId xmlns:p14="http://schemas.microsoft.com/office/powerpoint/2010/main" val="3265354486"/>
+      </p:ext>
+    </p:extLst>
+  </p:cSld>
+  <p:clrMapOvr>
+    <a:masterClrMapping/>
+  </p:clrMapOvr>
+</p:sld>
+</file>
+
+<file path=ppt/slides/slide14.xml><?xml version="1.0" encoding="utf-8"?>
+<p:sld xmlns:a="http://schemas.openxmlformats.org/drawingml/2006/main" xmlns:r="http://schemas.openxmlformats.org/officeDocument/2006/relationships" xmlns:p="http://schemas.openxmlformats.org/presentationml/2006/main">
+  <p:cSld>
+    <p:spTree>
+      <p:nvGrpSpPr>
+        <p:cNvPr id="1" name=""/>
+        <p:cNvGrpSpPr/>
+        <p:nvPr/>
+      </p:nvGrpSpPr>
+      <p:grpSpPr>
+        <a:xfrm>
+          <a:off x="0" y="0"/>
+          <a:ext cx="0" cy="0"/>
+          <a:chOff x="0" y="0"/>
+          <a:chExt cx="0" cy="0"/>
+        </a:xfrm>
+      </p:grpSpPr>
+      <p:pic>
+        <p:nvPicPr>
+          <p:cNvPr id="9218" name="Picture 2">
+            <a:extLst>
+              <a:ext uri="{FF2B5EF4-FFF2-40B4-BE49-F238E27FC236}">
+                <a16:creationId xmlns:a16="http://schemas.microsoft.com/office/drawing/2014/main" id="{0B53E50E-24E3-440F-8A18-EF87497100BF}"/>
+              </a:ext>
+            </a:extLst>
+          </p:cNvPr>
+          <p:cNvPicPr>
+            <a:picLocks noChangeAspect="1" noChangeArrowheads="1"/>
+          </p:cNvPicPr>
+          <p:nvPr/>
+        </p:nvPicPr>
+        <p:blipFill>
+          <a:blip r:embed="rId2">
+            <a:extLst>
+              <a:ext uri="{28A0092B-C50C-407E-A947-70E740481C1C}">
+                <a14:useLocalDpi xmlns:a14="http://schemas.microsoft.com/office/drawing/2010/main" val="0"/>
+              </a:ext>
+            </a:extLst>
+          </a:blip>
+          <a:srcRect/>
+          <a:stretch>
+            <a:fillRect/>
+          </a:stretch>
+        </p:blipFill>
+        <p:spPr bwMode="auto">
+          <a:xfrm>
+            <a:off x="2003159" y="484632"/>
+            <a:ext cx="8185681" cy="5888736"/>
+          </a:xfrm>
+          <a:prstGeom prst="rect">
+            <a:avLst/>
+          </a:prstGeom>
+          <a:noFill/>
+          <a:extLst>
+            <a:ext uri="{909E8E84-426E-40DD-AFC4-6F175D3DCCD1}">
+              <a14:hiddenFill xmlns:a14="http://schemas.microsoft.com/office/drawing/2010/main">
+                <a:solidFill>
+                  <a:srgbClr val="FFFFFF"/>
+                </a:solidFill>
+              </a14:hiddenFill>
+            </a:ext>
+          </a:extLst>
+        </p:spPr>
+      </p:pic>
+    </p:spTree>
+    <p:extLst>
+      <p:ext uri="{BB962C8B-B14F-4D97-AF65-F5344CB8AC3E}">
+        <p14:creationId xmlns:p14="http://schemas.microsoft.com/office/powerpoint/2010/main" val="1445232646"/>
+      </p:ext>
+    </p:extLst>
+  </p:cSld>
+  <p:clrMapOvr>
+    <a:masterClrMapping/>
+  </p:clrMapOvr>
+</p:sld>
+</file>
+
+<file path=ppt/slides/slide15.xml><?xml version="1.0" encoding="utf-8"?>
+<p:sld xmlns:a="http://schemas.openxmlformats.org/drawingml/2006/main" xmlns:r="http://schemas.openxmlformats.org/officeDocument/2006/relationships" xmlns:p="http://schemas.openxmlformats.org/presentationml/2006/main">
+  <p:cSld>
+    <p:spTree>
+      <p:nvGrpSpPr>
+        <p:cNvPr id="1" name=""/>
+        <p:cNvGrpSpPr/>
+        <p:nvPr/>
+      </p:nvGrpSpPr>
+      <p:grpSpPr>
+        <a:xfrm>
+          <a:off x="0" y="0"/>
+          <a:ext cx="0" cy="0"/>
+          <a:chOff x="0" y="0"/>
+          <a:chExt cx="0" cy="0"/>
+        </a:xfrm>
+      </p:grpSpPr>
+      <p:pic>
+        <p:nvPicPr>
+          <p:cNvPr id="10242" name="Picture 2">
+            <a:extLst>
+              <a:ext uri="{FF2B5EF4-FFF2-40B4-BE49-F238E27FC236}">
+                <a16:creationId xmlns:a16="http://schemas.microsoft.com/office/drawing/2014/main" id="{41989793-B446-411D-A0DE-2166A10AEA9F}"/>
+              </a:ext>
+            </a:extLst>
+          </p:cNvPr>
+          <p:cNvPicPr>
+            <a:picLocks noChangeAspect="1" noChangeArrowheads="1"/>
+          </p:cNvPicPr>
+          <p:nvPr/>
+        </p:nvPicPr>
+        <p:blipFill>
+          <a:blip r:embed="rId2">
+            <a:extLst>
+              <a:ext uri="{28A0092B-C50C-407E-A947-70E740481C1C}">
+                <a14:useLocalDpi xmlns:a14="http://schemas.microsoft.com/office/drawing/2010/main" val="0"/>
+              </a:ext>
+            </a:extLst>
+          </a:blip>
+          <a:srcRect/>
+          <a:stretch>
+            <a:fillRect/>
+          </a:stretch>
+        </p:blipFill>
+        <p:spPr bwMode="auto">
+          <a:xfrm>
+            <a:off x="2003159" y="484632"/>
+            <a:ext cx="8185681" cy="5888736"/>
+          </a:xfrm>
+          <a:prstGeom prst="rect">
+            <a:avLst/>
+          </a:prstGeom>
+          <a:noFill/>
+          <a:extLst>
+            <a:ext uri="{909E8E84-426E-40DD-AFC4-6F175D3DCCD1}">
+              <a14:hiddenFill xmlns:a14="http://schemas.microsoft.com/office/drawing/2010/main">
+                <a:solidFill>
+                  <a:srgbClr val="FFFFFF"/>
+                </a:solidFill>
+              </a14:hiddenFill>
+            </a:ext>
+          </a:extLst>
+        </p:spPr>
+      </p:pic>
+    </p:spTree>
+    <p:extLst>
+      <p:ext uri="{BB962C8B-B14F-4D97-AF65-F5344CB8AC3E}">
+        <p14:creationId xmlns:p14="http://schemas.microsoft.com/office/powerpoint/2010/main" val="4011804269"/>
+      </p:ext>
+    </p:extLst>
+  </p:cSld>
+  <p:clrMapOvr>
+    <a:masterClrMapping/>
+  </p:clrMapOvr>
+</p:sld>
+</file>
+
+<file path=ppt/slides/slide16.xml><?xml version="1.0" encoding="utf-8"?>
+<p:sld xmlns:a="http://schemas.openxmlformats.org/drawingml/2006/main" xmlns:r="http://schemas.openxmlformats.org/officeDocument/2006/relationships" xmlns:p="http://schemas.openxmlformats.org/presentationml/2006/main">
+  <p:cSld>
+    <p:bg>
+      <p:bgPr>
+        <a:solidFill>
+          <a:schemeClr val="bg2"/>
+        </a:solidFill>
+        <a:effectLst/>
+      </p:bgPr>
+    </p:bg>
+    <p:spTree>
+      <p:nvGrpSpPr>
+        <p:cNvPr id="1" name=""/>
+        <p:cNvGrpSpPr/>
+        <p:nvPr/>
+      </p:nvGrpSpPr>
+      <p:grpSpPr>
+        <a:xfrm>
+          <a:off x="0" y="0"/>
+          <a:ext cx="0" cy="0"/>
+          <a:chOff x="0" y="0"/>
+          <a:chExt cx="0" cy="0"/>
+        </a:xfrm>
+      </p:grpSpPr>
+      <p:sp>
+        <p:nvSpPr>
+          <p:cNvPr id="2" name="Title 1"/>
+          <p:cNvSpPr>
+            <a:spLocks noGrp="1"/>
+          </p:cNvSpPr>
+          <p:nvPr>
+            <p:ph type="title"/>
+          </p:nvPr>
+        </p:nvSpPr>
+        <p:spPr>
+          <a:xfrm>
+            <a:off x="9096291" y="916388"/>
+            <a:ext cx="2941983" cy="1485900"/>
+          </a:xfrm>
+        </p:spPr>
+        <p:txBody>
+          <a:bodyPr>
+            <a:normAutofit fontScale="90000"/>
+          </a:bodyPr>
+          <a:lstStyle/>
+          <a:p>
+            <a:r>
+              <a:rPr lang="en-US" dirty="0"/>
+              <a:t>How closely are different variables related to happiness correlated to each other?</a:t>
+            </a:r>
+          </a:p>
+        </p:txBody>
+      </p:sp>
+      <p:pic>
+        <p:nvPicPr>
+          <p:cNvPr id="1026" name="Picture 2">
+            <a:extLst>
+              <a:ext uri="{FF2B5EF4-FFF2-40B4-BE49-F238E27FC236}">
+                <a16:creationId xmlns:a16="http://schemas.microsoft.com/office/drawing/2014/main" id="{9D951957-2F62-49C3-8B2D-C79E422CE2A5}"/>
+              </a:ext>
+            </a:extLst>
+          </p:cNvPr>
+          <p:cNvPicPr>
+            <a:picLocks noGrp="1" noChangeAspect="1" noChangeArrowheads="1"/>
+          </p:cNvPicPr>
+          <p:nvPr>
+            <p:ph idx="1"/>
+          </p:nvPr>
+        </p:nvPicPr>
+        <p:blipFill>
+          <a:blip r:embed="rId2">
+            <a:extLst>
+              <a:ext uri="{28A0092B-C50C-407E-A947-70E740481C1C}">
+                <a14:useLocalDpi xmlns:a14="http://schemas.microsoft.com/office/drawing/2010/main" val="0"/>
+              </a:ext>
+            </a:extLst>
+          </a:blip>
+          <a:stretch>
+            <a:fillRect/>
+          </a:stretch>
+        </p:blipFill>
+        <p:spPr>
+          <a:xfrm>
+            <a:off x="805732" y="15851"/>
+            <a:ext cx="8028167" cy="6765949"/>
+          </a:xfrm>
+        </p:spPr>
+      </p:pic>
+    </p:spTree>
+    <p:extLst>
+      <p:ext uri="{BB962C8B-B14F-4D97-AF65-F5344CB8AC3E}">
+        <p14:creationId xmlns:p14="http://schemas.microsoft.com/office/powerpoint/2010/main" val="488146227"/>
+      </p:ext>
+    </p:extLst>
+  </p:cSld>
+  <p:clrMapOvr>
+    <a:masterClrMapping/>
+  </p:clrMapOvr>
+</p:sld>
+</file>
+
+<file path=ppt/slides/slide17.xml><?xml version="1.0" encoding="utf-8"?>
+<p:sld xmlns:a="http://schemas.openxmlformats.org/drawingml/2006/main" xmlns:r="http://schemas.openxmlformats.org/officeDocument/2006/relationships" xmlns:p="http://schemas.openxmlformats.org/presentationml/2006/main">
+  <p:cSld>
+    <p:spTree>
+      <p:nvGrpSpPr>
+        <p:cNvPr id="1" name=""/>
+        <p:cNvGrpSpPr/>
+        <p:nvPr/>
+      </p:nvGrpSpPr>
+      <p:grpSpPr>
+        <a:xfrm>
+          <a:off x="0" y="0"/>
+          <a:ext cx="0" cy="0"/>
+          <a:chOff x="0" y="0"/>
+          <a:chExt cx="0" cy="0"/>
+        </a:xfrm>
+      </p:grpSpPr>
+      <p:sp>
+        <p:nvSpPr>
+          <p:cNvPr id="2" name="Title 1">
+            <a:extLst>
+              <a:ext uri="{FF2B5EF4-FFF2-40B4-BE49-F238E27FC236}">
+                <a16:creationId xmlns:a16="http://schemas.microsoft.com/office/drawing/2014/main" id="{28D38CB7-4C98-4E3F-8D44-9510534AC65A}"/>
+              </a:ext>
+            </a:extLst>
+          </p:cNvPr>
+          <p:cNvSpPr>
+            <a:spLocks noGrp="1"/>
+          </p:cNvSpPr>
+          <p:nvPr>
+            <p:ph type="title"/>
+          </p:nvPr>
+        </p:nvSpPr>
+        <p:spPr/>
+        <p:txBody>
+          <a:bodyPr/>
+          <a:lstStyle/>
+          <a:p>
+            <a:r>
+              <a:rPr lang="en-US" dirty="0"/>
+              <a:t>Conclusions:</a:t>
+            </a:r>
+          </a:p>
+        </p:txBody>
+      </p:sp>
+      <p:sp>
+        <p:nvSpPr>
+          <p:cNvPr id="3" name="Content Placeholder 2">
+            <a:extLst>
+              <a:ext uri="{FF2B5EF4-FFF2-40B4-BE49-F238E27FC236}">
+                <a16:creationId xmlns:a16="http://schemas.microsoft.com/office/drawing/2014/main" id="{0E98A385-CF76-494C-A1FF-BCE6D9A5709A}"/>
+              </a:ext>
+            </a:extLst>
+          </p:cNvPr>
+          <p:cNvSpPr>
+            <a:spLocks noGrp="1"/>
+          </p:cNvSpPr>
+          <p:nvPr>
+            <p:ph idx="1"/>
+          </p:nvPr>
+        </p:nvSpPr>
+        <p:spPr/>
+        <p:txBody>
+          <a:bodyPr/>
+          <a:lstStyle/>
+          <a:p>
+            <a:r>
+              <a:rPr lang="en-US" dirty="0"/>
+              <a:t>The correlations between happiness, Log GDP per capita, Social Support, Life Expectancy at birth, Electronic Sales per Capita, and Freedom are extremely strong.</a:t>
+            </a:r>
+          </a:p>
+          <a:p>
+            <a:r>
+              <a:rPr lang="en-US" dirty="0"/>
+              <a:t>Log GDP per capita was the variable most closely correlated with happiness, thus money indeed does buy happiness (or being happy bring in more money).</a:t>
+            </a:r>
+          </a:p>
+          <a:p>
+            <a:endParaRPr lang="en-US" dirty="0"/>
+          </a:p>
+          <a:p>
+            <a:endParaRPr lang="en-US" dirty="0"/>
+          </a:p>
+        </p:txBody>
+      </p:sp>
+    </p:spTree>
+    <p:extLst>
+      <p:ext uri="{BB962C8B-B14F-4D97-AF65-F5344CB8AC3E}">
+        <p14:creationId xmlns:p14="http://schemas.microsoft.com/office/powerpoint/2010/main" val="1882890442"/>
+      </p:ext>
+    </p:extLst>
+  </p:cSld>
+  <p:clrMapOvr>
+    <a:masterClrMapping/>
+  </p:clrMapOvr>
+</p:sld>
+</file>
+
+<file path=ppt/slides/slide18.xml><?xml version="1.0" encoding="utf-8"?>
+<p:sld xmlns:a="http://schemas.openxmlformats.org/drawingml/2006/main" xmlns:r="http://schemas.openxmlformats.org/officeDocument/2006/relationships" xmlns:p="http://schemas.openxmlformats.org/presentationml/2006/main">
+  <p:cSld>
+    <p:bg>
+      <p:bgPr>
+        <a:solidFill>
+          <a:schemeClr val="bg1"/>
+        </a:solidFill>
+        <a:effectLst/>
+      </p:bgPr>
+    </p:bg>
+    <p:spTree>
+      <p:nvGrpSpPr>
+        <p:cNvPr id="1" name=""/>
+        <p:cNvGrpSpPr/>
+        <p:nvPr/>
+      </p:nvGrpSpPr>
+      <p:grpSpPr>
+        <a:xfrm>
+          <a:off x="0" y="0"/>
+          <a:ext cx="0" cy="0"/>
+          <a:chOff x="0" y="0"/>
+          <a:chExt cx="0" cy="0"/>
+        </a:xfrm>
+      </p:grpSpPr>
+      <p:grpSp>
+        <p:nvGrpSpPr>
+          <p:cNvPr id="9" name="Group 8">
+            <a:extLst>
+              <a:ext uri="{FF2B5EF4-FFF2-40B4-BE49-F238E27FC236}">
+                <a16:creationId xmlns:a16="http://schemas.microsoft.com/office/drawing/2014/main" id="{9D9D6BF1-DFF2-4526-9D13-BF339D8C4163}"/>
+              </a:ext>
+              <a:ext uri="{C183D7F6-B498-43B3-948B-1728B52AA6E4}">
+                <adec:decorative xmlns:adec="http://schemas.microsoft.com/office/drawing/2017/decorative" val="1"/>
+              </a:ext>
+            </a:extLst>
+          </p:cNvPr>
+          <p:cNvGrpSpPr>
+            <a:grpSpLocks noGrp="1" noUngrp="1" noRot="1" noChangeAspect="1" noMove="1" noResize="1"/>
+          </p:cNvGrpSpPr>
+          <p:nvPr>
+            <p:extLst>
+              <p:ext uri="{386F3935-93C4-4BCD-93E2-E3B085C9AB24}">
+                <p16:designElem xmlns:p16="http://schemas.microsoft.com/office/powerpoint/2015/main" val="1"/>
+              </p:ext>
+            </p:extLst>
+          </p:nvPr>
+        </p:nvGrpSpPr>
+        <p:grpSpPr>
+          <a:xfrm>
+            <a:off x="752858" y="744469"/>
+            <a:ext cx="10674117" cy="5349671"/>
+            <a:chOff x="752858" y="744469"/>
+            <a:chExt cx="10674117" cy="5349671"/>
+          </a:xfrm>
+        </p:grpSpPr>
+        <p:sp>
+          <p:nvSpPr>
+            <p:cNvPr id="10" name="Freeform 6">
+              <a:extLst>
+                <a:ext uri="{FF2B5EF4-FFF2-40B4-BE49-F238E27FC236}">
+                  <a16:creationId xmlns:a16="http://schemas.microsoft.com/office/drawing/2014/main" id="{A54D4DB6-FB18-4CAE-8905-E0053C92569E}"/>
+                </a:ext>
+                <a:ext uri="{C183D7F6-B498-43B3-948B-1728B52AA6E4}">
+                  <adec:decorative xmlns:adec="http://schemas.microsoft.com/office/drawing/2017/decorative" val="1"/>
+                </a:ext>
+              </a:extLst>
+            </p:cNvPr>
+            <p:cNvSpPr/>
+            <p:nvPr>
+              <p:extLst>
+                <p:ext uri="{386F3935-93C4-4BCD-93E2-E3B085C9AB24}">
+                  <p16:designElem xmlns:p16="http://schemas.microsoft.com/office/powerpoint/2015/main" val="1"/>
+                </p:ext>
+              </p:extLst>
+            </p:nvPr>
+          </p:nvSpPr>
+          <p:spPr bwMode="auto">
+            <a:xfrm>
+              <a:off x="8151962" y="1685652"/>
+              <a:ext cx="3275013" cy="4408488"/>
+            </a:xfrm>
+            <a:custGeom>
+              <a:avLst/>
+              <a:gdLst/>
+              <a:ahLst/>
+              <a:cxnLst/>
+              <a:rect l="l" t="t" r="r" b="b"/>
+              <a:pathLst>
+                <a:path w="10000" h="10000">
+                  <a:moveTo>
+                    <a:pt x="8761" y="0"/>
+                  </a:moveTo>
+                  <a:lnTo>
+                    <a:pt x="10000" y="0"/>
+                  </a:lnTo>
+                  <a:lnTo>
+                    <a:pt x="10000" y="10000"/>
+                  </a:lnTo>
+                  <a:lnTo>
+                    <a:pt x="0" y="10000"/>
+                  </a:lnTo>
+                  <a:lnTo>
+                    <a:pt x="0" y="9126"/>
+                  </a:lnTo>
+                  <a:lnTo>
+                    <a:pt x="8761" y="9127"/>
+                  </a:lnTo>
+                  <a:lnTo>
+                    <a:pt x="8761" y="0"/>
+                  </a:lnTo>
+                  <a:close/>
+                </a:path>
+              </a:pathLst>
+            </a:custGeom>
+            <a:solidFill>
+              <a:schemeClr val="tx2"/>
+            </a:solidFill>
+            <a:ln w="0">
+              <a:noFill/>
+              <a:prstDash val="solid"/>
+              <a:round/>
+              <a:headEnd/>
+              <a:tailEnd/>
+            </a:ln>
+          </p:spPr>
+        </p:sp>
+        <p:sp>
+          <p:nvSpPr>
+            <p:cNvPr id="11" name="Freeform 6">
+              <a:extLst>
+                <a:ext uri="{FF2B5EF4-FFF2-40B4-BE49-F238E27FC236}">
+                  <a16:creationId xmlns:a16="http://schemas.microsoft.com/office/drawing/2014/main" id="{1DBD6488-9429-4FFA-8AE8-C4022C39B0F2}"/>
+                </a:ext>
+                <a:ext uri="{C183D7F6-B498-43B3-948B-1728B52AA6E4}">
+                  <adec:decorative xmlns:adec="http://schemas.microsoft.com/office/drawing/2017/decorative" val="1"/>
+                </a:ext>
+              </a:extLst>
+            </p:cNvPr>
+            <p:cNvSpPr/>
+            <p:nvPr>
+              <p:extLst>
+                <p:ext uri="{386F3935-93C4-4BCD-93E2-E3B085C9AB24}">
+                  <p16:designElem xmlns:p16="http://schemas.microsoft.com/office/powerpoint/2015/main" val="1"/>
+                </p:ext>
+              </p:extLst>
+            </p:nvPr>
+          </p:nvSpPr>
+          <p:spPr bwMode="auto">
+            <a:xfrm flipH="1" flipV="1">
+              <a:off x="752858" y="744469"/>
+              <a:ext cx="3275668" cy="4408488"/>
+            </a:xfrm>
+            <a:custGeom>
+              <a:avLst/>
+              <a:gdLst/>
+              <a:ahLst/>
+              <a:cxnLst/>
+              <a:rect l="l" t="t" r="r" b="b"/>
+              <a:pathLst>
+                <a:path w="10002" h="10000">
+                  <a:moveTo>
+                    <a:pt x="8763" y="0"/>
+                  </a:moveTo>
+                  <a:lnTo>
+                    <a:pt x="10002" y="0"/>
+                  </a:lnTo>
+                  <a:lnTo>
+                    <a:pt x="10002" y="10000"/>
+                  </a:lnTo>
+                  <a:lnTo>
+                    <a:pt x="2" y="10000"/>
+                  </a:lnTo>
+                  <a:cubicBezTo>
+                    <a:pt x="-2" y="9698"/>
+                    <a:pt x="4" y="9427"/>
+                    <a:pt x="0" y="9125"/>
+                  </a:cubicBezTo>
+                  <a:lnTo>
+                    <a:pt x="8763" y="9128"/>
+                  </a:lnTo>
+                  <a:lnTo>
+                    <a:pt x="8763" y="0"/>
+                  </a:lnTo>
+                  <a:close/>
+                </a:path>
+              </a:pathLst>
+            </a:custGeom>
+            <a:solidFill>
+              <a:schemeClr val="tx2"/>
+            </a:solidFill>
+            <a:ln w="0">
+              <a:noFill/>
+              <a:prstDash val="solid"/>
+              <a:round/>
+              <a:headEnd/>
+              <a:tailEnd/>
+            </a:ln>
+          </p:spPr>
+        </p:sp>
+      </p:grpSp>
+      <p:sp useBgFill="1">
+        <p:nvSpPr>
+          <p:cNvPr id="13" name="Rectangle 12">
+            <a:extLst>
+              <a:ext uri="{FF2B5EF4-FFF2-40B4-BE49-F238E27FC236}">
+                <a16:creationId xmlns:a16="http://schemas.microsoft.com/office/drawing/2014/main" id="{B709ADC9-6EAF-4268-9415-1ED5ECFA2218}"/>
+              </a:ext>
+              <a:ext uri="{C183D7F6-B498-43B3-948B-1728B52AA6E4}">
+                <adec:decorative xmlns:adec="http://schemas.microsoft.com/office/drawing/2017/decorative" val="1"/>
+              </a:ext>
+            </a:extLst>
+          </p:cNvPr>
+          <p:cNvSpPr>
+            <a:spLocks noGrp="1" noRot="1" noChangeAspect="1" noMove="1" noResize="1" noEditPoints="1" noAdjustHandles="1" noChangeArrowheads="1" noChangeShapeType="1" noTextEdit="1"/>
+          </p:cNvSpPr>
+          <p:nvPr>
+            <p:extLst>
+              <p:ext uri="{386F3935-93C4-4BCD-93E2-E3B085C9AB24}">
+                <p16:designElem xmlns:p16="http://schemas.microsoft.com/office/powerpoint/2015/main" val="1"/>
+              </p:ext>
+            </p:extLst>
+          </p:nvPr>
+        </p:nvSpPr>
+        <p:spPr>
+          <a:xfrm>
+            <a:off x="0" y="0"/>
+            <a:ext cx="12192000" cy="6858000"/>
+          </a:xfrm>
+          <a:prstGeom prst="rect">
+            <a:avLst/>
+          </a:prstGeom>
+          <a:ln>
+            <a:noFill/>
+          </a:ln>
+        </p:spPr>
+        <p:style>
+          <a:lnRef idx="2">
+            <a:schemeClr val="accent1">
+              <a:shade val="50000"/>
+            </a:schemeClr>
+          </a:lnRef>
+          <a:fillRef idx="1">
+            <a:schemeClr val="accent1"/>
+          </a:fillRef>
+          <a:effectRef idx="0">
+            <a:schemeClr val="accent1"/>
+          </a:effectRef>
+          <a:fontRef idx="minor">
+            <a:schemeClr val="lt1"/>
+          </a:fontRef>
+        </p:style>
+        <p:txBody>
+          <a:bodyPr rtlCol="0" anchor="ctr"/>
+          <a:lstStyle/>
+          <a:p>
+            <a:pPr algn="ctr"/>
+            <a:endParaRPr lang="en-US"/>
+          </a:p>
+        </p:txBody>
+      </p:sp>
+      <p:pic>
+        <p:nvPicPr>
+          <p:cNvPr id="5" name="Picture 4">
+            <a:extLst>
+              <a:ext uri="{FF2B5EF4-FFF2-40B4-BE49-F238E27FC236}">
+                <a16:creationId xmlns:a16="http://schemas.microsoft.com/office/drawing/2014/main" id="{335E3AFB-D070-401E-9C96-35E2FFD6DE80}"/>
+              </a:ext>
+            </a:extLst>
+          </p:cNvPr>
+          <p:cNvPicPr>
+            <a:picLocks noChangeAspect="1"/>
+          </p:cNvPicPr>
+          <p:nvPr/>
+        </p:nvPicPr>
+        <p:blipFill rotWithShape="1">
+          <a:blip r:embed="rId2">
+            <a:alphaModFix amt="40000"/>
+          </a:blip>
+          <a:srcRect t="6219" b="9511"/>
+          <a:stretch/>
+        </p:blipFill>
+        <p:spPr>
+          <a:xfrm>
+            <a:off x="20" y="10"/>
+            <a:ext cx="12191980" cy="6857990"/>
+          </a:xfrm>
+          <a:prstGeom prst="rect">
+            <a:avLst/>
+          </a:prstGeom>
+        </p:spPr>
+      </p:pic>
+      <p:sp>
+        <p:nvSpPr>
+          <p:cNvPr id="2" name="Title 1">
+            <a:extLst>
+              <a:ext uri="{FF2B5EF4-FFF2-40B4-BE49-F238E27FC236}">
+                <a16:creationId xmlns:a16="http://schemas.microsoft.com/office/drawing/2014/main" id="{23918CD6-597C-4064-B3CD-A1FA9D88BA7D}"/>
+              </a:ext>
+            </a:extLst>
+          </p:cNvPr>
+          <p:cNvSpPr>
+            <a:spLocks noGrp="1"/>
+          </p:cNvSpPr>
+          <p:nvPr>
+            <p:ph type="title"/>
+          </p:nvPr>
+        </p:nvSpPr>
+        <p:spPr>
+          <a:xfrm>
+            <a:off x="1915128" y="1788454"/>
+            <a:ext cx="8361229" cy="2098226"/>
+          </a:xfrm>
+        </p:spPr>
+        <p:txBody>
+          <a:bodyPr vert="horz" lIns="91440" tIns="45720" rIns="91440" bIns="45720" rtlCol="0" anchor="b">
+            <a:normAutofit/>
+          </a:bodyPr>
+          <a:lstStyle/>
+          <a:p>
+            <a:pPr algn="ctr"/>
+            <a:r>
+              <a:rPr lang="en-US" sz="7200" cap="all"/>
+              <a:t>Next Steps</a:t>
+            </a:r>
+          </a:p>
+        </p:txBody>
+      </p:sp>
+    </p:spTree>
+    <p:extLst>
+      <p:ext uri="{BB962C8B-B14F-4D97-AF65-F5344CB8AC3E}">
+        <p14:creationId xmlns:p14="http://schemas.microsoft.com/office/powerpoint/2010/main" val="4135634228"/>
+      </p:ext>
+    </p:extLst>
+  </p:cSld>
+  <p:clrMapOvr>
+    <a:overrideClrMapping bg1="dk1" tx1="lt1" bg2="dk2" tx2="lt2" accent1="accent1" accent2="accent2" accent3="accent3" accent4="accent4" accent5="accent5" accent6="accent6" hlink="hlink" folHlink="folHlink"/>
+  </p:clrMapOvr>
+</p:sld>
+</file>
+
+<file path=ppt/slides/slide19.xml><?xml version="1.0" encoding="utf-8"?>
+<p:sld xmlns:a="http://schemas.openxmlformats.org/drawingml/2006/main" xmlns:r="http://schemas.openxmlformats.org/officeDocument/2006/relationships" xmlns:p="http://schemas.openxmlformats.org/presentationml/2006/main">
+  <p:cSld>
+    <p:spTree>
+      <p:nvGrpSpPr>
+        <p:cNvPr id="1" name=""/>
+        <p:cNvGrpSpPr/>
+        <p:nvPr/>
+      </p:nvGrpSpPr>
+      <p:grpSpPr>
+        <a:xfrm>
+          <a:off x="0" y="0"/>
+          <a:ext cx="0" cy="0"/>
+          <a:chOff x="0" y="0"/>
+          <a:chExt cx="0" cy="0"/>
+        </a:xfrm>
+      </p:grpSpPr>
+      <p:sp>
+        <p:nvSpPr>
+          <p:cNvPr id="2" name="Title 1">
+            <a:extLst>
+              <a:ext uri="{FF2B5EF4-FFF2-40B4-BE49-F238E27FC236}">
+                <a16:creationId xmlns:a16="http://schemas.microsoft.com/office/drawing/2014/main" id="{3EE8FFB7-ECE7-473B-AAC6-254A44CE6B41}"/>
+              </a:ext>
+            </a:extLst>
+          </p:cNvPr>
+          <p:cNvSpPr>
+            <a:spLocks noGrp="1"/>
+          </p:cNvSpPr>
+          <p:nvPr>
+            <p:ph type="title"/>
+          </p:nvPr>
+        </p:nvSpPr>
+        <p:spPr/>
+        <p:txBody>
+          <a:bodyPr/>
+          <a:lstStyle/>
+          <a:p>
+            <a:r>
+              <a:rPr lang="en-US" dirty="0"/>
+              <a:t>NEXT STEPS</a:t>
+            </a:r>
+          </a:p>
+        </p:txBody>
+      </p:sp>
+      <p:sp>
+        <p:nvSpPr>
+          <p:cNvPr id="3" name="Content Placeholder 2">
+            <a:extLst>
+              <a:ext uri="{FF2B5EF4-FFF2-40B4-BE49-F238E27FC236}">
+                <a16:creationId xmlns:a16="http://schemas.microsoft.com/office/drawing/2014/main" id="{C3E195DA-5C30-40ED-A099-A2B25DCE46F7}"/>
+              </a:ext>
+            </a:extLst>
+          </p:cNvPr>
+          <p:cNvSpPr>
+            <a:spLocks noGrp="1"/>
+          </p:cNvSpPr>
+          <p:nvPr>
+            <p:ph idx="1"/>
+          </p:nvPr>
+        </p:nvSpPr>
+        <p:spPr/>
+        <p:txBody>
+          <a:bodyPr/>
+          <a:lstStyle/>
+          <a:p>
+            <a:r>
+              <a:rPr lang="en-US" dirty="0"/>
+              <a:t>Why are there some countries that have high Electronic Revenue Sales but relatively low happiness?</a:t>
+            </a:r>
+          </a:p>
+          <a:p>
+            <a:r>
+              <a:rPr lang="en-US" dirty="0"/>
+              <a:t>Use machine learning techniques to predict happiness scores for the future.</a:t>
+            </a:r>
+          </a:p>
+          <a:p>
+            <a:r>
+              <a:rPr lang="en-US" dirty="0"/>
+              <a:t>Find further supporting data sets for Electronic Sales i.e. availability of electricity, internet, etc.</a:t>
+            </a:r>
+          </a:p>
+          <a:p>
+            <a:r>
+              <a:rPr lang="en-US" dirty="0"/>
+              <a:t>Are there alternatives to the World Happiness Report whose findings corroborate those found in the World Happiness Report?</a:t>
+            </a:r>
+          </a:p>
+        </p:txBody>
+      </p:sp>
+    </p:spTree>
+    <p:extLst>
+      <p:ext uri="{BB962C8B-B14F-4D97-AF65-F5344CB8AC3E}">
+        <p14:creationId xmlns:p14="http://schemas.microsoft.com/office/powerpoint/2010/main" val="1631078745"/>
+      </p:ext>
+    </p:extLst>
+  </p:cSld>
+  <p:clrMapOvr>
+    <a:masterClrMapping/>
+  </p:clrMapOvr>
 </p:sld>
 </file>
 
@@ -3958,10 +5067,9 @@
           <a:lstStyle/>
           <a:p>
             <a:r>
-              <a:rPr lang="en-US" dirty="0" smtClean="0"/>
+              <a:rPr lang="en-US" dirty="0"/>
               <a:t>Old School vs New Age</a:t>
             </a:r>
-            <a:endParaRPr lang="en-US" dirty="0"/>
           </a:p>
         </p:txBody>
       </p:sp>
@@ -4438,10 +5546,9 @@
           <a:lstStyle/>
           <a:p>
             <a:r>
-              <a:rPr lang="en-US" dirty="0" smtClean="0"/>
+              <a:rPr lang="en-US" dirty="0"/>
               <a:t>To answer this age-old question….</a:t>
             </a:r>
-            <a:endParaRPr lang="en-US" dirty="0"/>
           </a:p>
         </p:txBody>
       </p:sp>
@@ -4487,10 +5594,9 @@
           </a:lstStyle>
           <a:p>
             <a:r>
-              <a:rPr lang="en-US" dirty="0" smtClean="0"/>
+              <a:rPr lang="en-US" dirty="0"/>
               <a:t>…….we use Python.</a:t>
             </a:r>
-            <a:endParaRPr lang="en-US" dirty="0"/>
           </a:p>
         </p:txBody>
       </p:sp>
@@ -4712,10 +5818,9 @@
           <a:lstStyle/>
           <a:p>
             <a:r>
-              <a:rPr lang="en-US" dirty="0" smtClean="0"/>
+              <a:rPr lang="en-US" dirty="0"/>
               <a:t>Questions that challenged us…</a:t>
             </a:r>
-            <a:endParaRPr lang="en-US" dirty="0"/>
           </a:p>
         </p:txBody>
       </p:sp>
@@ -4731,10 +5836,49 @@
         </p:nvSpPr>
         <p:spPr/>
         <p:txBody>
-          <a:bodyPr/>
+          <a:bodyPr>
+            <a:normAutofit/>
+          </a:bodyPr>
           <a:lstStyle/>
           <a:p>
-            <a:endParaRPr lang="en-US" dirty="0"/>
+            <a:pPr marL="457200" indent="-457200">
+              <a:buFont typeface="+mj-lt"/>
+              <a:buAutoNum type="arabicPeriod"/>
+            </a:pPr>
+            <a:r>
+              <a:rPr lang="en-US" sz="2800" dirty="0"/>
+              <a:t>Does freedom or money correlate better with happiness?</a:t>
+            </a:r>
+          </a:p>
+          <a:p>
+            <a:pPr marL="457200" indent="-457200">
+              <a:buFont typeface="+mj-lt"/>
+              <a:buAutoNum type="arabicPeriod"/>
+            </a:pPr>
+            <a:r>
+              <a:rPr lang="en-US" sz="2800" dirty="0"/>
+              <a:t>Is the Consumer Electronics Revenue per capita related to a country’s happiness?</a:t>
+            </a:r>
+          </a:p>
+          <a:p>
+            <a:pPr marL="457200" indent="-457200">
+              <a:buFont typeface="+mj-lt"/>
+              <a:buAutoNum type="arabicPeriod"/>
+            </a:pPr>
+            <a:r>
+              <a:rPr lang="en-US" sz="2800" dirty="0"/>
+              <a:t>For countries whose happiness changed the most (or least), what factors influenced those changes?</a:t>
+            </a:r>
+          </a:p>
+          <a:p>
+            <a:pPr marL="457200" indent="-457200">
+              <a:buFont typeface="+mj-lt"/>
+              <a:buAutoNum type="arabicPeriod"/>
+            </a:pPr>
+            <a:r>
+              <a:rPr lang="en-US" sz="2800" dirty="0"/>
+              <a:t>How closely are different variables related to happiness correlated to each other?</a:t>
+            </a:r>
           </a:p>
         </p:txBody>
       </p:sp>
@@ -4748,13 +5892,6 @@
   <p:clrMapOvr>
     <a:masterClrMapping/>
   </p:clrMapOvr>
-  <p:timing>
-    <p:tnLst>
-      <p:par>
-        <p:cTn id="1" dur="indefinite" restart="never" nodeType="tmRoot"/>
-      </p:par>
-    </p:tnLst>
-  </p:timing>
 </p:sld>
 </file>
 
@@ -4791,18 +5928,9 @@
           <a:lstStyle/>
           <a:p>
             <a:r>
-              <a:rPr lang="en-US" dirty="0" smtClean="0"/>
-              <a:t>Data </a:t>
-            </a:r>
-            <a:r>
               <a:rPr lang="en-US" dirty="0"/>
-              <a:t>s</a:t>
-            </a:r>
-            <a:r>
-              <a:rPr lang="en-US" dirty="0" smtClean="0"/>
-              <a:t>ources used</a:t>
-            </a:r>
-            <a:endParaRPr lang="en-US" dirty="0"/>
+              <a:t>Data Sources:</a:t>
+            </a:r>
           </a:p>
         </p:txBody>
       </p:sp>
@@ -4818,10 +5946,27 @@
         </p:nvSpPr>
         <p:spPr/>
         <p:txBody>
-          <a:bodyPr/>
+          <a:bodyPr>
+            <a:normAutofit/>
+          </a:bodyPr>
           <a:lstStyle/>
           <a:p>
-            <a:endParaRPr lang="en-US" dirty="0"/>
+            <a:r>
+              <a:rPr lang="en-US" sz="4000" dirty="0"/>
+              <a:t>World Happiness Report 2019</a:t>
+            </a:r>
+          </a:p>
+          <a:p>
+            <a:r>
+              <a:rPr lang="en-US" sz="4000" dirty="0"/>
+              <a:t>World Bank API</a:t>
+            </a:r>
+          </a:p>
+          <a:p>
+            <a:r>
+              <a:rPr lang="en-US" sz="4000" dirty="0"/>
+              <a:t>Consumer Electronics Revenue from statista.com</a:t>
+            </a:r>
           </a:p>
         </p:txBody>
       </p:sp>
@@ -4835,19 +5980,20 @@
   <p:clrMapOvr>
     <a:masterClrMapping/>
   </p:clrMapOvr>
-  <p:timing>
-    <p:tnLst>
-      <p:par>
-        <p:cTn id="1" dur="indefinite" restart="never" nodeType="tmRoot"/>
-      </p:par>
-    </p:tnLst>
-  </p:timing>
 </p:sld>
 </file>
 
 <file path=ppt/slides/slide6.xml><?xml version="1.0" encoding="utf-8"?>
 <p:sld xmlns:a="http://schemas.openxmlformats.org/drawingml/2006/main" xmlns:r="http://schemas.openxmlformats.org/officeDocument/2006/relationships" xmlns:p="http://schemas.openxmlformats.org/presentationml/2006/main">
   <p:cSld>
+    <p:bg>
+      <p:bgPr>
+        <a:solidFill>
+          <a:schemeClr val="bg2"/>
+        </a:solidFill>
+        <a:effectLst/>
+      </p:bgPr>
+    </p:bg>
     <p:spTree>
       <p:nvGrpSpPr>
         <p:cNvPr id="1" name=""/>
@@ -4862,6 +6008,242 @@
           <a:chExt cx="0" cy="0"/>
         </a:xfrm>
       </p:grpSpPr>
+      <p:grpSp>
+        <p:nvGrpSpPr>
+          <p:cNvPr id="10" name="Group 9">
+            <a:extLst>
+              <a:ext uri="{FF2B5EF4-FFF2-40B4-BE49-F238E27FC236}">
+                <a16:creationId xmlns:a16="http://schemas.microsoft.com/office/drawing/2014/main" id="{449BC34D-9C23-4D6D-8213-1F471AF85B3F}"/>
+              </a:ext>
+              <a:ext uri="{C183D7F6-B498-43B3-948B-1728B52AA6E4}">
+                <adec:decorative xmlns:adec="http://schemas.microsoft.com/office/drawing/2017/decorative" val="1"/>
+              </a:ext>
+            </a:extLst>
+          </p:cNvPr>
+          <p:cNvGrpSpPr>
+            <a:grpSpLocks noGrp="1" noUngrp="1" noRot="1" noChangeAspect="1" noMove="1" noResize="1"/>
+          </p:cNvGrpSpPr>
+          <p:nvPr>
+            <p:extLst>
+              <p:ext uri="{386F3935-93C4-4BCD-93E2-E3B085C9AB24}">
+                <p16:designElem xmlns:p16="http://schemas.microsoft.com/office/powerpoint/2015/main" val="1"/>
+              </p:ext>
+            </p:extLst>
+          </p:nvPr>
+        </p:nvGrpSpPr>
+        <p:grpSpPr>
+          <a:xfrm>
+            <a:off x="752858" y="744469"/>
+            <a:ext cx="10674117" cy="5349671"/>
+            <a:chOff x="752858" y="744469"/>
+            <a:chExt cx="10674117" cy="5349671"/>
+          </a:xfrm>
+        </p:grpSpPr>
+        <p:sp>
+          <p:nvSpPr>
+            <p:cNvPr id="11" name="Freeform 6">
+              <a:extLst>
+                <a:ext uri="{FF2B5EF4-FFF2-40B4-BE49-F238E27FC236}">
+                  <a16:creationId xmlns:a16="http://schemas.microsoft.com/office/drawing/2014/main" id="{FA0F5D6C-5025-4D7E-82DD-C2C6FDA1E759}"/>
+                </a:ext>
+                <a:ext uri="{C183D7F6-B498-43B3-948B-1728B52AA6E4}">
+                  <adec:decorative xmlns:adec="http://schemas.microsoft.com/office/drawing/2017/decorative" val="1"/>
+                </a:ext>
+              </a:extLst>
+            </p:cNvPr>
+            <p:cNvSpPr/>
+            <p:nvPr>
+              <p:extLst>
+                <p:ext uri="{386F3935-93C4-4BCD-93E2-E3B085C9AB24}">
+                  <p16:designElem xmlns:p16="http://schemas.microsoft.com/office/powerpoint/2015/main" val="1"/>
+                </p:ext>
+              </p:extLst>
+            </p:nvPr>
+          </p:nvSpPr>
+          <p:spPr bwMode="auto">
+            <a:xfrm>
+              <a:off x="8151962" y="1685652"/>
+              <a:ext cx="3275013" cy="4408488"/>
+            </a:xfrm>
+            <a:custGeom>
+              <a:avLst/>
+              <a:gdLst/>
+              <a:ahLst/>
+              <a:cxnLst/>
+              <a:rect l="l" t="t" r="r" b="b"/>
+              <a:pathLst>
+                <a:path w="10000" h="10000">
+                  <a:moveTo>
+                    <a:pt x="8761" y="0"/>
+                  </a:moveTo>
+                  <a:lnTo>
+                    <a:pt x="10000" y="0"/>
+                  </a:lnTo>
+                  <a:lnTo>
+                    <a:pt x="10000" y="10000"/>
+                  </a:lnTo>
+                  <a:lnTo>
+                    <a:pt x="0" y="10000"/>
+                  </a:lnTo>
+                  <a:lnTo>
+                    <a:pt x="0" y="9126"/>
+                  </a:lnTo>
+                  <a:lnTo>
+                    <a:pt x="8761" y="9127"/>
+                  </a:lnTo>
+                  <a:lnTo>
+                    <a:pt x="8761" y="0"/>
+                  </a:lnTo>
+                  <a:close/>
+                </a:path>
+              </a:pathLst>
+            </a:custGeom>
+            <a:solidFill>
+              <a:schemeClr val="tx2"/>
+            </a:solidFill>
+            <a:ln w="0">
+              <a:noFill/>
+              <a:prstDash val="solid"/>
+              <a:round/>
+              <a:headEnd/>
+              <a:tailEnd/>
+            </a:ln>
+          </p:spPr>
+        </p:sp>
+        <p:sp>
+          <p:nvSpPr>
+            <p:cNvPr id="12" name="Freeform 6">
+              <a:extLst>
+                <a:ext uri="{FF2B5EF4-FFF2-40B4-BE49-F238E27FC236}">
+                  <a16:creationId xmlns:a16="http://schemas.microsoft.com/office/drawing/2014/main" id="{E2AF2C17-4AB4-4402-B84B-129EF95D161C}"/>
+                </a:ext>
+                <a:ext uri="{C183D7F6-B498-43B3-948B-1728B52AA6E4}">
+                  <adec:decorative xmlns:adec="http://schemas.microsoft.com/office/drawing/2017/decorative" val="1"/>
+                </a:ext>
+              </a:extLst>
+            </p:cNvPr>
+            <p:cNvSpPr/>
+            <p:nvPr>
+              <p:extLst>
+                <p:ext uri="{386F3935-93C4-4BCD-93E2-E3B085C9AB24}">
+                  <p16:designElem xmlns:p16="http://schemas.microsoft.com/office/powerpoint/2015/main" val="1"/>
+                </p:ext>
+              </p:extLst>
+            </p:nvPr>
+          </p:nvSpPr>
+          <p:spPr bwMode="auto">
+            <a:xfrm flipH="1" flipV="1">
+              <a:off x="752858" y="744469"/>
+              <a:ext cx="3275668" cy="4408488"/>
+            </a:xfrm>
+            <a:custGeom>
+              <a:avLst/>
+              <a:gdLst/>
+              <a:ahLst/>
+              <a:cxnLst/>
+              <a:rect l="l" t="t" r="r" b="b"/>
+              <a:pathLst>
+                <a:path w="10002" h="10000">
+                  <a:moveTo>
+                    <a:pt x="8763" y="0"/>
+                  </a:moveTo>
+                  <a:lnTo>
+                    <a:pt x="10002" y="0"/>
+                  </a:lnTo>
+                  <a:lnTo>
+                    <a:pt x="10002" y="10000"/>
+                  </a:lnTo>
+                  <a:lnTo>
+                    <a:pt x="2" y="10000"/>
+                  </a:lnTo>
+                  <a:cubicBezTo>
+                    <a:pt x="-2" y="9698"/>
+                    <a:pt x="4" y="9427"/>
+                    <a:pt x="0" y="9125"/>
+                  </a:cubicBezTo>
+                  <a:lnTo>
+                    <a:pt x="8763" y="9128"/>
+                  </a:lnTo>
+                  <a:lnTo>
+                    <a:pt x="8763" y="0"/>
+                  </a:lnTo>
+                  <a:close/>
+                </a:path>
+              </a:pathLst>
+            </a:custGeom>
+            <a:solidFill>
+              <a:schemeClr val="tx2"/>
+            </a:solidFill>
+            <a:ln w="0">
+              <a:noFill/>
+              <a:prstDash val="solid"/>
+              <a:round/>
+              <a:headEnd/>
+              <a:tailEnd/>
+            </a:ln>
+          </p:spPr>
+        </p:sp>
+      </p:grpSp>
+      <p:sp useBgFill="1">
+        <p:nvSpPr>
+          <p:cNvPr id="14" name="Rectangle 13">
+            <a:extLst>
+              <a:ext uri="{FF2B5EF4-FFF2-40B4-BE49-F238E27FC236}">
+                <a16:creationId xmlns:a16="http://schemas.microsoft.com/office/drawing/2014/main" id="{1F9A0C1C-8ABC-401B-8FE9-AC9327C4C587}"/>
+              </a:ext>
+              <a:ext uri="{C183D7F6-B498-43B3-948B-1728B52AA6E4}">
+                <adec:decorative xmlns:adec="http://schemas.microsoft.com/office/drawing/2017/decorative" val="1"/>
+              </a:ext>
+            </a:extLst>
+          </p:cNvPr>
+          <p:cNvSpPr>
+            <a:spLocks noGrp="1" noRot="1" noChangeAspect="1" noMove="1" noResize="1" noEditPoints="1" noAdjustHandles="1" noChangeArrowheads="1" noChangeShapeType="1" noTextEdit="1"/>
+          </p:cNvSpPr>
+          <p:nvPr>
+            <p:extLst>
+              <p:ext uri="{386F3935-93C4-4BCD-93E2-E3B085C9AB24}">
+                <p16:designElem xmlns:p16="http://schemas.microsoft.com/office/powerpoint/2015/main" val="1"/>
+              </p:ext>
+            </p:extLst>
+          </p:nvPr>
+        </p:nvSpPr>
+        <p:spPr>
+          <a:xfrm>
+            <a:off x="0" y="0"/>
+            <a:ext cx="12192000" cy="6858000"/>
+          </a:xfrm>
+          <a:prstGeom prst="rect">
+            <a:avLst/>
+          </a:prstGeom>
+          <a:ln>
+            <a:noFill/>
+          </a:ln>
+        </p:spPr>
+        <p:style>
+          <a:lnRef idx="2">
+            <a:schemeClr val="accent1">
+              <a:shade val="50000"/>
+            </a:schemeClr>
+          </a:lnRef>
+          <a:fillRef idx="1001">
+            <a:schemeClr val="lt2"/>
+          </a:fillRef>
+          <a:effectRef idx="0">
+            <a:schemeClr val="accent1"/>
+          </a:effectRef>
+          <a:fontRef idx="minor">
+            <a:schemeClr val="lt1"/>
+          </a:fontRef>
+        </p:style>
+        <p:txBody>
+          <a:bodyPr rtlCol="0" anchor="ctr"/>
+          <a:lstStyle/>
+          <a:p>
+            <a:pPr algn="ctr"/>
+            <a:endParaRPr lang="en-US"/>
+          </a:p>
+        </p:txBody>
+      </p:sp>
       <p:sp>
         <p:nvSpPr>
           <p:cNvPr id="2" name="Title 1"/>
@@ -4872,38 +6254,206 @@
             <p:ph type="title"/>
           </p:nvPr>
         </p:nvSpPr>
-        <p:spPr/>
-        <p:txBody>
-          <a:bodyPr/>
+        <p:spPr>
+          <a:xfrm>
+            <a:off x="8154186" y="634028"/>
+            <a:ext cx="3355942" cy="3732835"/>
+          </a:xfrm>
+        </p:spPr>
+        <p:txBody>
+          <a:bodyPr vert="horz" lIns="91440" tIns="45720" rIns="91440" bIns="45720" rtlCol="0" anchor="b">
+            <a:normAutofit/>
+          </a:bodyPr>
           <a:lstStyle/>
           <a:p>
-            <a:r>
-              <a:rPr lang="en-US" dirty="0" smtClean="0"/>
-              <a:t>Question 1</a:t>
-            </a:r>
-            <a:endParaRPr lang="en-US" dirty="0"/>
-          </a:p>
-        </p:txBody>
-      </p:sp>
-      <p:sp>
-        <p:nvSpPr>
-          <p:cNvPr id="3" name="Content Placeholder 2"/>
-          <p:cNvSpPr>
-            <a:spLocks noGrp="1"/>
-          </p:cNvSpPr>
+            <a:pPr algn="ctr"/>
+            <a:r>
+              <a:rPr lang="en-US" sz="4200" cap="all"/>
+              <a:t>Does freedom or money correlate better with happiness?</a:t>
+            </a:r>
+          </a:p>
+        </p:txBody>
+      </p:sp>
+      <p:sp>
+        <p:nvSpPr>
+          <p:cNvPr id="16" name="Freeform 6">
+            <a:extLst>
+              <a:ext uri="{FF2B5EF4-FFF2-40B4-BE49-F238E27FC236}">
+                <a16:creationId xmlns:a16="http://schemas.microsoft.com/office/drawing/2014/main" id="{BA5783C3-2F96-40A7-A24F-30CB07AA3928}"/>
+              </a:ext>
+              <a:ext uri="{C183D7F6-B498-43B3-948B-1728B52AA6E4}">
+                <adec:decorative xmlns:adec="http://schemas.microsoft.com/office/drawing/2017/decorative" val="1"/>
+              </a:ext>
+            </a:extLst>
+          </p:cNvPr>
+          <p:cNvSpPr>
+            <a:spLocks noGrp="1" noRot="1" noChangeAspect="1" noMove="1" noResize="1" noEditPoints="1" noAdjustHandles="1" noChangeArrowheads="1" noChangeShapeType="1" noTextEdit="1"/>
+          </p:cNvSpPr>
+          <p:nvPr>
+            <p:extLst>
+              <p:ext uri="{386F3935-93C4-4BCD-93E2-E3B085C9AB24}">
+                <p16:designElem xmlns:p16="http://schemas.microsoft.com/office/powerpoint/2015/main" val="1"/>
+              </p:ext>
+            </p:extLst>
+          </p:nvPr>
+        </p:nvSpPr>
+        <p:spPr bwMode="auto">
+          <a:xfrm flipH="1" flipV="1">
+            <a:off x="649163" y="634028"/>
+            <a:ext cx="3275668" cy="4408488"/>
+          </a:xfrm>
+          <a:custGeom>
+            <a:avLst/>
+            <a:gdLst/>
+            <a:ahLst/>
+            <a:cxnLst/>
+            <a:rect l="l" t="t" r="r" b="b"/>
+            <a:pathLst>
+              <a:path w="10002" h="10000">
+                <a:moveTo>
+                  <a:pt x="8763" y="0"/>
+                </a:moveTo>
+                <a:lnTo>
+                  <a:pt x="10002" y="0"/>
+                </a:lnTo>
+                <a:lnTo>
+                  <a:pt x="10002" y="10000"/>
+                </a:lnTo>
+                <a:lnTo>
+                  <a:pt x="2" y="10000"/>
+                </a:lnTo>
+                <a:cubicBezTo>
+                  <a:pt x="-2" y="9698"/>
+                  <a:pt x="4" y="9427"/>
+                  <a:pt x="0" y="9125"/>
+                </a:cubicBezTo>
+                <a:lnTo>
+                  <a:pt x="8763" y="9128"/>
+                </a:lnTo>
+                <a:lnTo>
+                  <a:pt x="8763" y="0"/>
+                </a:lnTo>
+                <a:close/>
+              </a:path>
+            </a:pathLst>
+          </a:custGeom>
+          <a:solidFill>
+            <a:schemeClr val="tx2"/>
+          </a:solidFill>
+          <a:ln w="0">
+            <a:noFill/>
+            <a:prstDash val="solid"/>
+            <a:round/>
+            <a:headEnd/>
+            <a:tailEnd/>
+          </a:ln>
+        </p:spPr>
+      </p:sp>
+      <p:sp>
+        <p:nvSpPr>
+          <p:cNvPr id="18" name="Freeform 6">
+            <a:extLst>
+              <a:ext uri="{FF2B5EF4-FFF2-40B4-BE49-F238E27FC236}">
+                <a16:creationId xmlns:a16="http://schemas.microsoft.com/office/drawing/2014/main" id="{A9D08DBA-0326-4C4E-ACFB-576F3ABDD2D0}"/>
+              </a:ext>
+              <a:ext uri="{C183D7F6-B498-43B3-948B-1728B52AA6E4}">
+                <adec:decorative xmlns:adec="http://schemas.microsoft.com/office/drawing/2017/decorative" val="1"/>
+              </a:ext>
+            </a:extLst>
+          </p:cNvPr>
+          <p:cNvSpPr>
+            <a:spLocks noGrp="1" noRot="1" noChangeAspect="1" noMove="1" noResize="1" noEditPoints="1" noAdjustHandles="1" noChangeArrowheads="1" noChangeShapeType="1" noTextEdit="1"/>
+          </p:cNvSpPr>
+          <p:nvPr>
+            <p:extLst>
+              <p:ext uri="{386F3935-93C4-4BCD-93E2-E3B085C9AB24}">
+                <p16:designElem xmlns:p16="http://schemas.microsoft.com/office/powerpoint/2015/main" val="1"/>
+              </p:ext>
+            </p:extLst>
+          </p:nvPr>
+        </p:nvSpPr>
+        <p:spPr bwMode="auto">
+          <a:xfrm>
+            <a:off x="4494670" y="2016617"/>
+            <a:ext cx="3275013" cy="4408488"/>
+          </a:xfrm>
+          <a:custGeom>
+            <a:avLst/>
+            <a:gdLst/>
+            <a:ahLst/>
+            <a:cxnLst/>
+            <a:rect l="l" t="t" r="r" b="b"/>
+            <a:pathLst>
+              <a:path w="10000" h="10000">
+                <a:moveTo>
+                  <a:pt x="8761" y="0"/>
+                </a:moveTo>
+                <a:lnTo>
+                  <a:pt x="10000" y="0"/>
+                </a:lnTo>
+                <a:lnTo>
+                  <a:pt x="10000" y="10000"/>
+                </a:lnTo>
+                <a:lnTo>
+                  <a:pt x="0" y="10000"/>
+                </a:lnTo>
+                <a:lnTo>
+                  <a:pt x="0" y="9126"/>
+                </a:lnTo>
+                <a:lnTo>
+                  <a:pt x="8761" y="9127"/>
+                </a:lnTo>
+                <a:lnTo>
+                  <a:pt x="8761" y="0"/>
+                </a:lnTo>
+                <a:close/>
+              </a:path>
+            </a:pathLst>
+          </a:custGeom>
+          <a:solidFill>
+            <a:schemeClr val="tx2"/>
+          </a:solidFill>
+          <a:ln w="0">
+            <a:noFill/>
+            <a:prstDash val="solid"/>
+            <a:round/>
+            <a:headEnd/>
+            <a:tailEnd/>
+          </a:ln>
+        </p:spPr>
+      </p:sp>
+      <p:pic>
+        <p:nvPicPr>
+          <p:cNvPr id="5" name="Content Placeholder 4">
+            <a:extLst>
+              <a:ext uri="{FF2B5EF4-FFF2-40B4-BE49-F238E27FC236}">
+                <a16:creationId xmlns:a16="http://schemas.microsoft.com/office/drawing/2014/main" id="{5168CB32-278A-4B5D-8F81-3149D85D8F84}"/>
+              </a:ext>
+            </a:extLst>
+          </p:cNvPr>
+          <p:cNvPicPr>
+            <a:picLocks noGrp="1" noChangeAspect="1"/>
+          </p:cNvPicPr>
           <p:nvPr>
             <p:ph idx="1"/>
           </p:nvPr>
-        </p:nvSpPr>
-        <p:spPr/>
-        <p:txBody>
-          <a:bodyPr/>
-          <a:lstStyle/>
-          <a:p>
-            <a:endParaRPr lang="en-US"/>
-          </a:p>
-        </p:txBody>
-      </p:sp>
+        </p:nvPicPr>
+        <p:blipFill>
+          <a:blip r:embed="rId2"/>
+          <a:stretch>
+            <a:fillRect/>
+          </a:stretch>
+        </p:blipFill>
+        <p:spPr>
+          <a:xfrm>
+            <a:off x="1379023" y="1710571"/>
+            <a:ext cx="5659222" cy="3636050"/>
+          </a:xfrm>
+          <a:prstGeom prst="rect">
+            <a:avLst/>
+          </a:prstGeom>
+        </p:spPr>
+      </p:pic>
     </p:spTree>
     <p:extLst>
       <p:ext uri="{BB962C8B-B14F-4D97-AF65-F5344CB8AC3E}">
@@ -4914,19 +6464,20 @@
   <p:clrMapOvr>
     <a:masterClrMapping/>
   </p:clrMapOvr>
-  <p:timing>
-    <p:tnLst>
-      <p:par>
-        <p:cTn id="1" dur="indefinite" restart="never" nodeType="tmRoot"/>
-      </p:par>
-    </p:tnLst>
-  </p:timing>
 </p:sld>
 </file>
 
 <file path=ppt/slides/slide7.xml><?xml version="1.0" encoding="utf-8"?>
 <p:sld xmlns:a="http://schemas.openxmlformats.org/drawingml/2006/main" xmlns:r="http://schemas.openxmlformats.org/officeDocument/2006/relationships" xmlns:p="http://schemas.openxmlformats.org/presentationml/2006/main">
   <p:cSld>
+    <p:bg>
+      <p:bgPr>
+        <a:solidFill>
+          <a:schemeClr val="bg2"/>
+        </a:solidFill>
+        <a:effectLst/>
+      </p:bgPr>
+    </p:bg>
     <p:spTree>
       <p:nvGrpSpPr>
         <p:cNvPr id="1" name=""/>
@@ -4941,6 +6492,242 @@
           <a:chExt cx="0" cy="0"/>
         </a:xfrm>
       </p:grpSpPr>
+      <p:grpSp>
+        <p:nvGrpSpPr>
+          <p:cNvPr id="12" name="Group 11">
+            <a:extLst>
+              <a:ext uri="{FF2B5EF4-FFF2-40B4-BE49-F238E27FC236}">
+                <a16:creationId xmlns:a16="http://schemas.microsoft.com/office/drawing/2014/main" id="{57500303-A207-4812-BEB9-51E132FEB73F}"/>
+              </a:ext>
+              <a:ext uri="{C183D7F6-B498-43B3-948B-1728B52AA6E4}">
+                <adec:decorative xmlns:adec="http://schemas.microsoft.com/office/drawing/2017/decorative" val="1"/>
+              </a:ext>
+            </a:extLst>
+          </p:cNvPr>
+          <p:cNvGrpSpPr>
+            <a:grpSpLocks noGrp="1" noUngrp="1" noRot="1" noChangeAspect="1" noMove="1" noResize="1"/>
+          </p:cNvGrpSpPr>
+          <p:nvPr>
+            <p:extLst>
+              <p:ext uri="{386F3935-93C4-4BCD-93E2-E3B085C9AB24}">
+                <p16:designElem xmlns:p16="http://schemas.microsoft.com/office/powerpoint/2015/main" val="1"/>
+              </p:ext>
+            </p:extLst>
+          </p:nvPr>
+        </p:nvGrpSpPr>
+        <p:grpSpPr>
+          <a:xfrm>
+            <a:off x="752858" y="744469"/>
+            <a:ext cx="10674117" cy="5349671"/>
+            <a:chOff x="752858" y="744469"/>
+            <a:chExt cx="10674117" cy="5349671"/>
+          </a:xfrm>
+        </p:grpSpPr>
+        <p:sp>
+          <p:nvSpPr>
+            <p:cNvPr id="13" name="Freeform 6">
+              <a:extLst>
+                <a:ext uri="{FF2B5EF4-FFF2-40B4-BE49-F238E27FC236}">
+                  <a16:creationId xmlns:a16="http://schemas.microsoft.com/office/drawing/2014/main" id="{10118C91-C025-4776-BE95-E9926378E790}"/>
+                </a:ext>
+                <a:ext uri="{C183D7F6-B498-43B3-948B-1728B52AA6E4}">
+                  <adec:decorative xmlns:adec="http://schemas.microsoft.com/office/drawing/2017/decorative" val="1"/>
+                </a:ext>
+              </a:extLst>
+            </p:cNvPr>
+            <p:cNvSpPr/>
+            <p:nvPr>
+              <p:extLst>
+                <p:ext uri="{386F3935-93C4-4BCD-93E2-E3B085C9AB24}">
+                  <p16:designElem xmlns:p16="http://schemas.microsoft.com/office/powerpoint/2015/main" val="1"/>
+                </p:ext>
+              </p:extLst>
+            </p:nvPr>
+          </p:nvSpPr>
+          <p:spPr bwMode="auto">
+            <a:xfrm>
+              <a:off x="8151962" y="1685652"/>
+              <a:ext cx="3275013" cy="4408488"/>
+            </a:xfrm>
+            <a:custGeom>
+              <a:avLst/>
+              <a:gdLst/>
+              <a:ahLst/>
+              <a:cxnLst/>
+              <a:rect l="l" t="t" r="r" b="b"/>
+              <a:pathLst>
+                <a:path w="10000" h="10000">
+                  <a:moveTo>
+                    <a:pt x="8761" y="0"/>
+                  </a:moveTo>
+                  <a:lnTo>
+                    <a:pt x="10000" y="0"/>
+                  </a:lnTo>
+                  <a:lnTo>
+                    <a:pt x="10000" y="10000"/>
+                  </a:lnTo>
+                  <a:lnTo>
+                    <a:pt x="0" y="10000"/>
+                  </a:lnTo>
+                  <a:lnTo>
+                    <a:pt x="0" y="9126"/>
+                  </a:lnTo>
+                  <a:lnTo>
+                    <a:pt x="8761" y="9127"/>
+                  </a:lnTo>
+                  <a:lnTo>
+                    <a:pt x="8761" y="0"/>
+                  </a:lnTo>
+                  <a:close/>
+                </a:path>
+              </a:pathLst>
+            </a:custGeom>
+            <a:solidFill>
+              <a:schemeClr val="tx2"/>
+            </a:solidFill>
+            <a:ln w="0">
+              <a:noFill/>
+              <a:prstDash val="solid"/>
+              <a:round/>
+              <a:headEnd/>
+              <a:tailEnd/>
+            </a:ln>
+          </p:spPr>
+        </p:sp>
+        <p:sp>
+          <p:nvSpPr>
+            <p:cNvPr id="14" name="Freeform 6">
+              <a:extLst>
+                <a:ext uri="{FF2B5EF4-FFF2-40B4-BE49-F238E27FC236}">
+                  <a16:creationId xmlns:a16="http://schemas.microsoft.com/office/drawing/2014/main" id="{339174D0-30E8-4BBF-BF81-5DDAC33C0C0E}"/>
+                </a:ext>
+                <a:ext uri="{C183D7F6-B498-43B3-948B-1728B52AA6E4}">
+                  <adec:decorative xmlns:adec="http://schemas.microsoft.com/office/drawing/2017/decorative" val="1"/>
+                </a:ext>
+              </a:extLst>
+            </p:cNvPr>
+            <p:cNvSpPr/>
+            <p:nvPr>
+              <p:extLst>
+                <p:ext uri="{386F3935-93C4-4BCD-93E2-E3B085C9AB24}">
+                  <p16:designElem xmlns:p16="http://schemas.microsoft.com/office/powerpoint/2015/main" val="1"/>
+                </p:ext>
+              </p:extLst>
+            </p:nvPr>
+          </p:nvSpPr>
+          <p:spPr bwMode="auto">
+            <a:xfrm flipH="1" flipV="1">
+              <a:off x="752858" y="744469"/>
+              <a:ext cx="3275668" cy="4408488"/>
+            </a:xfrm>
+            <a:custGeom>
+              <a:avLst/>
+              <a:gdLst/>
+              <a:ahLst/>
+              <a:cxnLst/>
+              <a:rect l="l" t="t" r="r" b="b"/>
+              <a:pathLst>
+                <a:path w="10002" h="10000">
+                  <a:moveTo>
+                    <a:pt x="8763" y="0"/>
+                  </a:moveTo>
+                  <a:lnTo>
+                    <a:pt x="10002" y="0"/>
+                  </a:lnTo>
+                  <a:lnTo>
+                    <a:pt x="10002" y="10000"/>
+                  </a:lnTo>
+                  <a:lnTo>
+                    <a:pt x="2" y="10000"/>
+                  </a:lnTo>
+                  <a:cubicBezTo>
+                    <a:pt x="-2" y="9698"/>
+                    <a:pt x="4" y="9427"/>
+                    <a:pt x="0" y="9125"/>
+                  </a:cubicBezTo>
+                  <a:lnTo>
+                    <a:pt x="8763" y="9128"/>
+                  </a:lnTo>
+                  <a:lnTo>
+                    <a:pt x="8763" y="0"/>
+                  </a:lnTo>
+                  <a:close/>
+                </a:path>
+              </a:pathLst>
+            </a:custGeom>
+            <a:solidFill>
+              <a:schemeClr val="tx2"/>
+            </a:solidFill>
+            <a:ln w="0">
+              <a:noFill/>
+              <a:prstDash val="solid"/>
+              <a:round/>
+              <a:headEnd/>
+              <a:tailEnd/>
+            </a:ln>
+          </p:spPr>
+        </p:sp>
+      </p:grpSp>
+      <p:sp useBgFill="1">
+        <p:nvSpPr>
+          <p:cNvPr id="16" name="Rectangle 15">
+            <a:extLst>
+              <a:ext uri="{FF2B5EF4-FFF2-40B4-BE49-F238E27FC236}">
+                <a16:creationId xmlns:a16="http://schemas.microsoft.com/office/drawing/2014/main" id="{7BB74091-09FE-44AF-8325-7FE6E175F727}"/>
+              </a:ext>
+              <a:ext uri="{C183D7F6-B498-43B3-948B-1728B52AA6E4}">
+                <adec:decorative xmlns:adec="http://schemas.microsoft.com/office/drawing/2017/decorative" val="1"/>
+              </a:ext>
+            </a:extLst>
+          </p:cNvPr>
+          <p:cNvSpPr>
+            <a:spLocks noGrp="1" noRot="1" noChangeAspect="1" noMove="1" noResize="1" noEditPoints="1" noAdjustHandles="1" noChangeArrowheads="1" noChangeShapeType="1" noTextEdit="1"/>
+          </p:cNvSpPr>
+          <p:nvPr>
+            <p:extLst>
+              <p:ext uri="{386F3935-93C4-4BCD-93E2-E3B085C9AB24}">
+                <p16:designElem xmlns:p16="http://schemas.microsoft.com/office/powerpoint/2015/main" val="1"/>
+              </p:ext>
+            </p:extLst>
+          </p:nvPr>
+        </p:nvSpPr>
+        <p:spPr>
+          <a:xfrm>
+            <a:off x="0" y="0"/>
+            <a:ext cx="12192000" cy="6858000"/>
+          </a:xfrm>
+          <a:prstGeom prst="rect">
+            <a:avLst/>
+          </a:prstGeom>
+          <a:ln>
+            <a:noFill/>
+          </a:ln>
+        </p:spPr>
+        <p:style>
+          <a:lnRef idx="2">
+            <a:schemeClr val="accent1">
+              <a:shade val="50000"/>
+            </a:schemeClr>
+          </a:lnRef>
+          <a:fillRef idx="1">
+            <a:schemeClr val="accent1"/>
+          </a:fillRef>
+          <a:effectRef idx="0">
+            <a:schemeClr val="accent1"/>
+          </a:effectRef>
+          <a:fontRef idx="minor">
+            <a:schemeClr val="lt1"/>
+          </a:fontRef>
+        </p:style>
+        <p:txBody>
+          <a:bodyPr rtlCol="0" anchor="ctr"/>
+          <a:lstStyle/>
+          <a:p>
+            <a:pPr algn="ctr"/>
+            <a:endParaRPr lang="en-US"/>
+          </a:p>
+        </p:txBody>
+      </p:sp>
       <p:sp>
         <p:nvSpPr>
           <p:cNvPr id="2" name="Title 1"/>
@@ -4951,37 +6738,299 @@
             <p:ph type="title"/>
           </p:nvPr>
         </p:nvSpPr>
-        <p:spPr/>
-        <p:txBody>
-          <a:bodyPr/>
+        <p:spPr>
+          <a:xfrm>
+            <a:off x="752858" y="4736961"/>
+            <a:ext cx="10720685" cy="936769"/>
+          </a:xfrm>
+        </p:spPr>
+        <p:txBody>
+          <a:bodyPr vert="horz" lIns="91440" tIns="45720" rIns="91440" bIns="45720" rtlCol="0" anchor="b">
+            <a:normAutofit/>
+          </a:bodyPr>
           <a:lstStyle/>
           <a:p>
-            <a:r>
-              <a:rPr lang="en-US" dirty="0" smtClean="0"/>
-              <a:t>Question 2</a:t>
-            </a:r>
-            <a:endParaRPr lang="en-US" dirty="0"/>
-          </a:p>
-        </p:txBody>
-      </p:sp>
-      <p:sp>
-        <p:nvSpPr>
-          <p:cNvPr id="3" name="Content Placeholder 2"/>
-          <p:cNvSpPr>
-            <a:spLocks noGrp="1"/>
-          </p:cNvSpPr>
+            <a:pPr algn="ctr"/>
+            <a:r>
+              <a:rPr lang="en-US" sz="3000" cap="all"/>
+              <a:t>Is the Consumer Electronics Revenue per capita related to a country’s happiness?</a:t>
+            </a:r>
+          </a:p>
+        </p:txBody>
+      </p:sp>
+      <p:pic>
+        <p:nvPicPr>
+          <p:cNvPr id="7" name="Picture 6" descr="A screenshot of a cell phone&#10;&#10;Description automatically generated">
+            <a:extLst>
+              <a:ext uri="{FF2B5EF4-FFF2-40B4-BE49-F238E27FC236}">
+                <a16:creationId xmlns:a16="http://schemas.microsoft.com/office/drawing/2014/main" id="{C9B60C5F-2C5E-4125-B6BA-7B925873A363}"/>
+              </a:ext>
+            </a:extLst>
+          </p:cNvPr>
+          <p:cNvPicPr>
+            <a:picLocks noChangeAspect="1"/>
+          </p:cNvPicPr>
+          <p:nvPr/>
+        </p:nvPicPr>
+        <p:blipFill>
+          <a:blip r:embed="rId2"/>
+          <a:stretch>
+            <a:fillRect/>
+          </a:stretch>
+        </p:blipFill>
+        <p:spPr>
+          <a:xfrm>
+            <a:off x="243840" y="1049222"/>
+            <a:ext cx="5838424" cy="3108960"/>
+          </a:xfrm>
+          <a:prstGeom prst="rect">
+            <a:avLst/>
+          </a:prstGeom>
+        </p:spPr>
+      </p:pic>
+      <p:pic>
+        <p:nvPicPr>
+          <p:cNvPr id="5" name="Content Placeholder 4" descr="A screenshot of a cell phone&#10;&#10;Description automatically generated">
+            <a:extLst>
+              <a:ext uri="{FF2B5EF4-FFF2-40B4-BE49-F238E27FC236}">
+                <a16:creationId xmlns:a16="http://schemas.microsoft.com/office/drawing/2014/main" id="{F8BF5B58-0415-45BD-99EE-738967CF6206}"/>
+              </a:ext>
+            </a:extLst>
+          </p:cNvPr>
+          <p:cNvPicPr>
+            <a:picLocks noGrp="1" noChangeAspect="1"/>
+          </p:cNvPicPr>
           <p:nvPr>
             <p:ph idx="1"/>
           </p:nvPr>
-        </p:nvSpPr>
-        <p:spPr/>
-        <p:txBody>
-          <a:bodyPr/>
-          <a:lstStyle/>
-          <a:p>
-            <a:endParaRPr lang="en-US"/>
-          </a:p>
-        </p:txBody>
+        </p:nvPicPr>
+        <p:blipFill>
+          <a:blip r:embed="rId3"/>
+          <a:stretch>
+            <a:fillRect/>
+          </a:stretch>
+        </p:blipFill>
+        <p:spPr>
+          <a:xfrm>
+            <a:off x="6187440" y="1049222"/>
+            <a:ext cx="5838424" cy="3108960"/>
+          </a:xfrm>
+          <a:prstGeom prst="rect">
+            <a:avLst/>
+          </a:prstGeom>
+        </p:spPr>
+      </p:pic>
+      <p:sp>
+        <p:nvSpPr>
+          <p:cNvPr id="18" name="Freeform: Shape 17">
+            <a:extLst>
+              <a:ext uri="{FF2B5EF4-FFF2-40B4-BE49-F238E27FC236}">
+                <a16:creationId xmlns:a16="http://schemas.microsoft.com/office/drawing/2014/main" id="{0F30CCEB-94C4-4F72-BA5A-9CEA853022DA}"/>
+              </a:ext>
+              <a:ext uri="{C183D7F6-B498-43B3-948B-1728B52AA6E4}">
+                <adec:decorative xmlns:adec="http://schemas.microsoft.com/office/drawing/2017/decorative" val="1"/>
+              </a:ext>
+            </a:extLst>
+          </p:cNvPr>
+          <p:cNvSpPr>
+            <a:spLocks noGrp="1" noRot="1" noChangeAspect="1" noMove="1" noResize="1" noEditPoints="1" noAdjustHandles="1" noChangeArrowheads="1" noChangeShapeType="1" noTextEdit="1"/>
+          </p:cNvSpPr>
+          <p:nvPr>
+            <p:extLst>
+              <p:ext uri="{386F3935-93C4-4BCD-93E2-E3B085C9AB24}">
+                <p16:designElem xmlns:p16="http://schemas.microsoft.com/office/powerpoint/2015/main" val="1"/>
+              </p:ext>
+            </p:extLst>
+          </p:nvPr>
+        </p:nvSpPr>
+        <p:spPr bwMode="auto">
+          <a:xfrm flipH="1" flipV="1">
+            <a:off x="434936" y="4446551"/>
+            <a:ext cx="1957171" cy="1103687"/>
+          </a:xfrm>
+          <a:custGeom>
+            <a:avLst/>
+            <a:gdLst>
+              <a:gd name="connsiteX0" fmla="*/ 2017702 w 2017702"/>
+              <a:gd name="connsiteY0" fmla="*/ 1137821 h 1137821"/>
+              <a:gd name="connsiteX1" fmla="*/ 404 w 2017702"/>
+              <a:gd name="connsiteY1" fmla="*/ 1137821 h 1137821"/>
+              <a:gd name="connsiteX2" fmla="*/ 0 w 2017702"/>
+              <a:gd name="connsiteY2" fmla="*/ 900216 h 1137821"/>
+              <a:gd name="connsiteX3" fmla="*/ 1767759 w 2017702"/>
+              <a:gd name="connsiteY3" fmla="*/ 901031 h 1137821"/>
+              <a:gd name="connsiteX4" fmla="*/ 1767759 w 2017702"/>
+              <a:gd name="connsiteY4" fmla="*/ 0 h 1137821"/>
+              <a:gd name="connsiteX5" fmla="*/ 2017702 w 2017702"/>
+              <a:gd name="connsiteY5" fmla="*/ 0 h 1137821"/>
+            </a:gdLst>
+            <a:ahLst/>
+            <a:cxnLst>
+              <a:cxn ang="0">
+                <a:pos x="connsiteX0" y="connsiteY0"/>
+              </a:cxn>
+              <a:cxn ang="0">
+                <a:pos x="connsiteX1" y="connsiteY1"/>
+              </a:cxn>
+              <a:cxn ang="0">
+                <a:pos x="connsiteX2" y="connsiteY2"/>
+              </a:cxn>
+              <a:cxn ang="0">
+                <a:pos x="connsiteX3" y="connsiteY3"/>
+              </a:cxn>
+              <a:cxn ang="0">
+                <a:pos x="connsiteX4" y="connsiteY4"/>
+              </a:cxn>
+              <a:cxn ang="0">
+                <a:pos x="connsiteX5" y="connsiteY5"/>
+              </a:cxn>
+            </a:cxnLst>
+            <a:rect l="l" t="t" r="r" b="b"/>
+            <a:pathLst>
+              <a:path w="2017702" h="1137821">
+                <a:moveTo>
+                  <a:pt x="2017702" y="1137821"/>
+                </a:moveTo>
+                <a:lnTo>
+                  <a:pt x="404" y="1137821"/>
+                </a:lnTo>
+                <a:cubicBezTo>
+                  <a:pt x="-404" y="1055814"/>
+                  <a:pt x="807" y="982224"/>
+                  <a:pt x="0" y="900216"/>
+                </a:cubicBezTo>
+                <a:lnTo>
+                  <a:pt x="1767759" y="901031"/>
+                </a:lnTo>
+                <a:lnTo>
+                  <a:pt x="1767759" y="0"/>
+                </a:lnTo>
+                <a:lnTo>
+                  <a:pt x="2017702" y="0"/>
+                </a:lnTo>
+                <a:close/>
+              </a:path>
+            </a:pathLst>
+          </a:custGeom>
+          <a:solidFill>
+            <a:schemeClr val="tx2">
+              <a:alpha val="80000"/>
+            </a:schemeClr>
+          </a:solidFill>
+          <a:ln w="0">
+            <a:noFill/>
+            <a:prstDash val="solid"/>
+            <a:round/>
+            <a:headEnd/>
+            <a:tailEnd/>
+          </a:ln>
+        </p:spPr>
+      </p:sp>
+      <p:sp>
+        <p:nvSpPr>
+          <p:cNvPr id="20" name="Freeform: Shape 19">
+            <a:extLst>
+              <a:ext uri="{FF2B5EF4-FFF2-40B4-BE49-F238E27FC236}">
+                <a16:creationId xmlns:a16="http://schemas.microsoft.com/office/drawing/2014/main" id="{0DE1A94F-CC8B-4954-97A7-ADD4F300D647}"/>
+              </a:ext>
+              <a:ext uri="{C183D7F6-B498-43B3-948B-1728B52AA6E4}">
+                <adec:decorative xmlns:adec="http://schemas.microsoft.com/office/drawing/2017/decorative" val="1"/>
+              </a:ext>
+            </a:extLst>
+          </p:cNvPr>
+          <p:cNvSpPr>
+            <a:spLocks noGrp="1" noRot="1" noChangeAspect="1" noMove="1" noResize="1" noEditPoints="1" noAdjustHandles="1" noChangeArrowheads="1" noChangeShapeType="1" noTextEdit="1"/>
+          </p:cNvSpPr>
+          <p:nvPr>
+            <p:extLst>
+              <p:ext uri="{386F3935-93C4-4BCD-93E2-E3B085C9AB24}">
+                <p16:designElem xmlns:p16="http://schemas.microsoft.com/office/powerpoint/2015/main" val="1"/>
+              </p:ext>
+            </p:extLst>
+          </p:nvPr>
+        </p:nvSpPr>
+        <p:spPr bwMode="auto">
+          <a:xfrm>
+            <a:off x="9796837" y="5311230"/>
+            <a:ext cx="2042265" cy="1213486"/>
+          </a:xfrm>
+          <a:custGeom>
+            <a:avLst/>
+            <a:gdLst>
+              <a:gd name="connsiteX0" fmla="*/ 1844618 w 2105428"/>
+              <a:gd name="connsiteY0" fmla="*/ 0 h 1251016"/>
+              <a:gd name="connsiteX1" fmla="*/ 2105428 w 2105428"/>
+              <a:gd name="connsiteY1" fmla="*/ 0 h 1251016"/>
+              <a:gd name="connsiteX2" fmla="*/ 2105428 w 2105428"/>
+              <a:gd name="connsiteY2" fmla="*/ 1251016 h 1251016"/>
+              <a:gd name="connsiteX3" fmla="*/ 421 w 2105428"/>
+              <a:gd name="connsiteY3" fmla="*/ 1251016 h 1251016"/>
+              <a:gd name="connsiteX4" fmla="*/ 0 w 2105428"/>
+              <a:gd name="connsiteY4" fmla="*/ 1003081 h 1251016"/>
+              <a:gd name="connsiteX5" fmla="*/ 1844618 w 2105428"/>
+              <a:gd name="connsiteY5" fmla="*/ 1003931 h 1251016"/>
+            </a:gdLst>
+            <a:ahLst/>
+            <a:cxnLst>
+              <a:cxn ang="0">
+                <a:pos x="connsiteX0" y="connsiteY0"/>
+              </a:cxn>
+              <a:cxn ang="0">
+                <a:pos x="connsiteX1" y="connsiteY1"/>
+              </a:cxn>
+              <a:cxn ang="0">
+                <a:pos x="connsiteX2" y="connsiteY2"/>
+              </a:cxn>
+              <a:cxn ang="0">
+                <a:pos x="connsiteX3" y="connsiteY3"/>
+              </a:cxn>
+              <a:cxn ang="0">
+                <a:pos x="connsiteX4" y="connsiteY4"/>
+              </a:cxn>
+              <a:cxn ang="0">
+                <a:pos x="connsiteX5" y="connsiteY5"/>
+              </a:cxn>
+            </a:cxnLst>
+            <a:rect l="l" t="t" r="r" b="b"/>
+            <a:pathLst>
+              <a:path w="2105428" h="1251016">
+                <a:moveTo>
+                  <a:pt x="1844618" y="0"/>
+                </a:moveTo>
+                <a:lnTo>
+                  <a:pt x="2105428" y="0"/>
+                </a:lnTo>
+                <a:lnTo>
+                  <a:pt x="2105428" y="1251016"/>
+                </a:lnTo>
+                <a:lnTo>
+                  <a:pt x="421" y="1251016"/>
+                </a:lnTo>
+                <a:cubicBezTo>
+                  <a:pt x="-421" y="1165443"/>
+                  <a:pt x="842" y="1088654"/>
+                  <a:pt x="0" y="1003081"/>
+                </a:cubicBezTo>
+                <a:lnTo>
+                  <a:pt x="1844618" y="1003931"/>
+                </a:lnTo>
+                <a:close/>
+              </a:path>
+            </a:pathLst>
+          </a:custGeom>
+          <a:solidFill>
+            <a:schemeClr val="tx2">
+              <a:alpha val="80000"/>
+            </a:schemeClr>
+          </a:solidFill>
+          <a:ln w="0">
+            <a:noFill/>
+            <a:prstDash val="solid"/>
+            <a:round/>
+            <a:headEnd/>
+            <a:tailEnd/>
+          </a:ln>
+        </p:spPr>
       </p:sp>
     </p:spTree>
     <p:extLst>
@@ -4993,19 +7042,20 @@
   <p:clrMapOvr>
     <a:masterClrMapping/>
   </p:clrMapOvr>
-  <p:timing>
-    <p:tnLst>
-      <p:par>
-        <p:cTn id="1" dur="indefinite" restart="never" nodeType="tmRoot"/>
-      </p:par>
-    </p:tnLst>
-  </p:timing>
 </p:sld>
 </file>
 
 <file path=ppt/slides/slide8.xml><?xml version="1.0" encoding="utf-8"?>
 <p:sld xmlns:a="http://schemas.openxmlformats.org/drawingml/2006/main" xmlns:r="http://schemas.openxmlformats.org/officeDocument/2006/relationships" xmlns:p="http://schemas.openxmlformats.org/presentationml/2006/main">
   <p:cSld>
+    <p:bg>
+      <p:bgPr>
+        <a:solidFill>
+          <a:schemeClr val="bg2"/>
+        </a:solidFill>
+        <a:effectLst/>
+      </p:bgPr>
+    </p:bg>
     <p:spTree>
       <p:nvGrpSpPr>
         <p:cNvPr id="1" name=""/>
@@ -5030,38 +7080,72 @@
             <p:ph type="title"/>
           </p:nvPr>
         </p:nvSpPr>
-        <p:spPr/>
-        <p:txBody>
-          <a:bodyPr/>
+        <p:spPr>
+          <a:xfrm>
+            <a:off x="1371600" y="685800"/>
+            <a:ext cx="9601200" cy="1485900"/>
+          </a:xfrm>
+        </p:spPr>
+        <p:txBody>
+          <a:bodyPr>
+            <a:normAutofit fontScale="90000"/>
+          </a:bodyPr>
           <a:lstStyle/>
           <a:p>
             <a:r>
-              <a:rPr lang="en-US" dirty="0" smtClean="0"/>
-              <a:t>Question 3</a:t>
-            </a:r>
-            <a:endParaRPr lang="en-US" dirty="0"/>
-          </a:p>
-        </p:txBody>
-      </p:sp>
-      <p:sp>
-        <p:nvSpPr>
-          <p:cNvPr id="3" name="Content Placeholder 2"/>
-          <p:cNvSpPr>
-            <a:spLocks noGrp="1"/>
-          </p:cNvSpPr>
-          <p:nvPr>
-            <p:ph idx="1"/>
-          </p:nvPr>
-        </p:nvSpPr>
-        <p:spPr/>
-        <p:txBody>
-          <a:bodyPr/>
-          <a:lstStyle/>
-          <a:p>
-            <a:endParaRPr lang="en-US"/>
-          </a:p>
-        </p:txBody>
-      </p:sp>
+              <a:rPr lang="en-US" dirty="0"/>
+              <a:t>For countries whose happiness changed the most (or least), what factors influenced those changes?</a:t>
+            </a:r>
+          </a:p>
+        </p:txBody>
+      </p:sp>
+      <p:pic>
+        <p:nvPicPr>
+          <p:cNvPr id="10" name="Picture 12">
+            <a:extLst>
+              <a:ext uri="{FF2B5EF4-FFF2-40B4-BE49-F238E27FC236}">
+                <a16:creationId xmlns:a16="http://schemas.microsoft.com/office/drawing/2014/main" id="{881FA3ED-997D-495B-888E-04353F50DF77}"/>
+              </a:ext>
+            </a:extLst>
+          </p:cNvPr>
+          <p:cNvPicPr>
+            <a:picLocks noChangeAspect="1" noChangeArrowheads="1"/>
+          </p:cNvPicPr>
+          <p:nvPr/>
+        </p:nvPicPr>
+        <p:blipFill>
+          <a:blip r:embed="rId2">
+            <a:extLst>
+              <a:ext uri="{28A0092B-C50C-407E-A947-70E740481C1C}">
+                <a14:useLocalDpi xmlns:a14="http://schemas.microsoft.com/office/drawing/2010/main" val="0"/>
+              </a:ext>
+            </a:extLst>
+          </a:blip>
+          <a:srcRect/>
+          <a:stretch>
+            <a:fillRect/>
+          </a:stretch>
+        </p:blipFill>
+        <p:spPr bwMode="auto">
+          <a:xfrm>
+            <a:off x="1140731" y="2565230"/>
+            <a:ext cx="10899374" cy="3902245"/>
+          </a:xfrm>
+          <a:prstGeom prst="rect">
+            <a:avLst/>
+          </a:prstGeom>
+          <a:noFill/>
+          <a:extLst>
+            <a:ext uri="{909E8E84-426E-40DD-AFC4-6F175D3DCCD1}">
+              <a14:hiddenFill xmlns:a14="http://schemas.microsoft.com/office/drawing/2010/main">
+                <a:solidFill>
+                  <a:srgbClr val="FFFFFF"/>
+                </a:solidFill>
+              </a14:hiddenFill>
+            </a:ext>
+          </a:extLst>
+        </p:spPr>
+      </p:pic>
     </p:spTree>
     <p:extLst>
       <p:ext uri="{BB962C8B-B14F-4D97-AF65-F5344CB8AC3E}">
@@ -5072,13 +7156,6 @@
   <p:clrMapOvr>
     <a:masterClrMapping/>
   </p:clrMapOvr>
-  <p:timing>
-    <p:tnLst>
-      <p:par>
-        <p:cTn id="1" dur="indefinite" restart="never" nodeType="tmRoot"/>
-      </p:par>
-    </p:tnLst>
-  </p:timing>
 </p:sld>
 </file>
 
@@ -5101,7 +7178,13 @@
       </p:grpSpPr>
       <p:sp>
         <p:nvSpPr>
-          <p:cNvPr id="2" name="Title 1"/>
+          <p:cNvPr id="2" name="Title 1">
+            <a:extLst>
+              <a:ext uri="{FF2B5EF4-FFF2-40B4-BE49-F238E27FC236}">
+                <a16:creationId xmlns:a16="http://schemas.microsoft.com/office/drawing/2014/main" id="{9904B5E5-F510-4FB0-A74F-93248C93BEA8}"/>
+              </a:ext>
+            </a:extLst>
+          </p:cNvPr>
           <p:cNvSpPr>
             <a:spLocks noGrp="1"/>
           </p:cNvSpPr>
@@ -5111,53 +7194,75 @@
         </p:nvSpPr>
         <p:spPr/>
         <p:txBody>
-          <a:bodyPr/>
+          <a:bodyPr>
+            <a:normAutofit fontScale="90000"/>
+          </a:bodyPr>
           <a:lstStyle/>
           <a:p>
             <a:r>
-              <a:rPr lang="en-US" dirty="0" smtClean="0"/>
-              <a:t>Question 4</a:t>
-            </a:r>
-            <a:endParaRPr lang="en-US" dirty="0"/>
-          </a:p>
-        </p:txBody>
-      </p:sp>
-      <p:sp>
-        <p:nvSpPr>
-          <p:cNvPr id="3" name="Content Placeholder 2"/>
-          <p:cNvSpPr>
-            <a:spLocks noGrp="1"/>
-          </p:cNvSpPr>
-          <p:nvPr>
-            <p:ph idx="1"/>
-          </p:nvPr>
-        </p:nvSpPr>
-        <p:spPr/>
-        <p:txBody>
-          <a:bodyPr/>
-          <a:lstStyle/>
-          <a:p>
-            <a:endParaRPr lang="en-US"/>
-          </a:p>
-        </p:txBody>
-      </p:sp>
+              <a:rPr lang="en-US" dirty="0"/>
+              <a:t>For countries whose happiness changed the most (or least), what factors influenced those changes?</a:t>
+            </a:r>
+          </a:p>
+        </p:txBody>
+      </p:sp>
+      <p:pic>
+        <p:nvPicPr>
+          <p:cNvPr id="4098" name="Picture 2">
+            <a:extLst>
+              <a:ext uri="{FF2B5EF4-FFF2-40B4-BE49-F238E27FC236}">
+                <a16:creationId xmlns:a16="http://schemas.microsoft.com/office/drawing/2014/main" id="{8177CDD7-5EE4-49D1-8A22-C45D44E031D0}"/>
+              </a:ext>
+            </a:extLst>
+          </p:cNvPr>
+          <p:cNvPicPr>
+            <a:picLocks noChangeArrowheads="1"/>
+          </p:cNvPicPr>
+          <p:nvPr/>
+        </p:nvPicPr>
+        <p:blipFill>
+          <a:blip r:embed="rId2">
+            <a:extLst>
+              <a:ext uri="{28A0092B-C50C-407E-A947-70E740481C1C}">
+                <a14:useLocalDpi xmlns:a14="http://schemas.microsoft.com/office/drawing/2010/main" val="0"/>
+              </a:ext>
+            </a:extLst>
+          </a:blip>
+          <a:srcRect/>
+          <a:stretch>
+            <a:fillRect/>
+          </a:stretch>
+        </p:blipFill>
+        <p:spPr bwMode="auto">
+          <a:xfrm>
+            <a:off x="1143000" y="2674081"/>
+            <a:ext cx="10899648" cy="3904488"/>
+          </a:xfrm>
+          <a:prstGeom prst="rect">
+            <a:avLst/>
+          </a:prstGeom>
+          <a:noFill/>
+          <a:extLst>
+            <a:ext uri="{909E8E84-426E-40DD-AFC4-6F175D3DCCD1}">
+              <a14:hiddenFill xmlns:a14="http://schemas.microsoft.com/office/drawing/2010/main">
+                <a:solidFill>
+                  <a:srgbClr val="FFFFFF"/>
+                </a:solidFill>
+              </a14:hiddenFill>
+            </a:ext>
+          </a:extLst>
+        </p:spPr>
+      </p:pic>
     </p:spTree>
     <p:extLst>
       <p:ext uri="{BB962C8B-B14F-4D97-AF65-F5344CB8AC3E}">
-        <p14:creationId xmlns:p14="http://schemas.microsoft.com/office/powerpoint/2010/main" val="488146227"/>
+        <p14:creationId xmlns:p14="http://schemas.microsoft.com/office/powerpoint/2010/main" val="3774702902"/>
       </p:ext>
     </p:extLst>
   </p:cSld>
   <p:clrMapOvr>
     <a:masterClrMapping/>
   </p:clrMapOvr>
-  <p:timing>
-    <p:tnLst>
-      <p:par>
-        <p:cTn id="1" dur="indefinite" restart="never" nodeType="tmRoot"/>
-      </p:par>
-    </p:tnLst>
-  </p:timing>
 </p:sld>
 </file>
 

--- a/Project1.pptx
+++ b/Project1.pptx
@@ -15,15 +15,12 @@
     <p:sldId id="263" r:id="rId9"/>
     <p:sldId id="265" r:id="rId10"/>
     <p:sldId id="266" r:id="rId11"/>
-    <p:sldId id="268" r:id="rId12"/>
-    <p:sldId id="269" r:id="rId13"/>
-    <p:sldId id="270" r:id="rId14"/>
-    <p:sldId id="271" r:id="rId15"/>
-    <p:sldId id="272" r:id="rId16"/>
-    <p:sldId id="264" r:id="rId17"/>
-    <p:sldId id="267" r:id="rId18"/>
-    <p:sldId id="273" r:id="rId19"/>
-    <p:sldId id="274" r:id="rId20"/>
+    <p:sldId id="269" r:id="rId12"/>
+    <p:sldId id="271" r:id="rId13"/>
+    <p:sldId id="264" r:id="rId14"/>
+    <p:sldId id="267" r:id="rId15"/>
+    <p:sldId id="273" r:id="rId16"/>
+    <p:sldId id="274" r:id="rId17"/>
   </p:sldIdLst>
   <p:sldSz cx="12192000" cy="6858000"/>
   <p:notesSz cx="6858000" cy="9144000"/>
@@ -300,7 +297,7 @@
             <a:fld id="{87DE6118-2437-4B30-8E3C-4D2BE6020583}" type="datetimeFigureOut">
               <a:rPr lang="en-US" dirty="0"/>
               <a:pPr/>
-              <a:t>11/21/2019</a:t>
+              <a:t>11/22/2019</a:t>
             </a:fld>
             <a:endParaRPr lang="en-US" dirty="0"/>
           </a:p>
@@ -626,7 +623,7 @@
           <a:p>
             <a:fld id="{87DE6118-2437-4B30-8E3C-4D2BE6020583}" type="datetimeFigureOut">
               <a:rPr lang="en-US" dirty="0"/>
-              <a:t>11/21/2019</a:t>
+              <a:t>11/22/2019</a:t>
             </a:fld>
             <a:endParaRPr lang="en-US" dirty="0"/>
           </a:p>
@@ -801,7 +798,7 @@
           <a:p>
             <a:fld id="{87DE6118-2437-4B30-8E3C-4D2BE6020583}" type="datetimeFigureOut">
               <a:rPr lang="en-US" dirty="0"/>
-              <a:t>11/21/2019</a:t>
+              <a:t>11/22/2019</a:t>
             </a:fld>
             <a:endParaRPr lang="en-US" dirty="0"/>
           </a:p>
@@ -966,7 +963,7 @@
           <a:p>
             <a:fld id="{87DE6118-2437-4B30-8E3C-4D2BE6020583}" type="datetimeFigureOut">
               <a:rPr lang="en-US" dirty="0"/>
-              <a:t>11/21/2019</a:t>
+              <a:t>11/22/2019</a:t>
             </a:fld>
             <a:endParaRPr lang="en-US" dirty="0"/>
           </a:p>
@@ -1239,7 +1236,7 @@
             <a:fld id="{87DE6118-2437-4B30-8E3C-4D2BE6020583}" type="datetimeFigureOut">
               <a:rPr lang="en-US" dirty="0"/>
               <a:pPr/>
-              <a:t>11/21/2019</a:t>
+              <a:t>11/22/2019</a:t>
             </a:fld>
             <a:endParaRPr lang="en-US" dirty="0"/>
           </a:p>
@@ -1629,7 +1626,7 @@
           <a:p>
             <a:fld id="{87DE6118-2437-4B30-8E3C-4D2BE6020583}" type="datetimeFigureOut">
               <a:rPr lang="en-US" dirty="0"/>
-              <a:t>11/21/2019</a:t>
+              <a:t>11/22/2019</a:t>
             </a:fld>
             <a:endParaRPr lang="en-US" dirty="0"/>
           </a:p>
@@ -2101,7 +2098,7 @@
           <a:p>
             <a:fld id="{87DE6118-2437-4B30-8E3C-4D2BE6020583}" type="datetimeFigureOut">
               <a:rPr lang="en-US" dirty="0"/>
-              <a:t>11/21/2019</a:t>
+              <a:t>11/22/2019</a:t>
             </a:fld>
             <a:endParaRPr lang="en-US" dirty="0"/>
           </a:p>
@@ -2214,7 +2211,7 @@
           <a:p>
             <a:fld id="{87DE6118-2437-4B30-8E3C-4D2BE6020583}" type="datetimeFigureOut">
               <a:rPr lang="en-US" dirty="0"/>
-              <a:t>11/21/2019</a:t>
+              <a:t>11/22/2019</a:t>
             </a:fld>
             <a:endParaRPr lang="en-US" dirty="0"/>
           </a:p>
@@ -2304,7 +2301,7 @@
           <a:p>
             <a:fld id="{87DE6118-2437-4B30-8E3C-4D2BE6020583}" type="datetimeFigureOut">
               <a:rPr lang="en-US" dirty="0"/>
-              <a:t>11/21/2019</a:t>
+              <a:t>11/22/2019</a:t>
             </a:fld>
             <a:endParaRPr lang="en-US" dirty="0"/>
           </a:p>
@@ -2646,7 +2643,7 @@
             <a:fld id="{87DE6118-2437-4B30-8E3C-4D2BE6020583}" type="datetimeFigureOut">
               <a:rPr lang="en-US" dirty="0"/>
               <a:pPr/>
-              <a:t>11/21/2019</a:t>
+              <a:t>11/22/2019</a:t>
             </a:fld>
             <a:endParaRPr lang="en-US" dirty="0"/>
           </a:p>
@@ -3031,7 +3028,7 @@
             <a:fld id="{87DE6118-2437-4B30-8E3C-4D2BE6020583}" type="datetimeFigureOut">
               <a:rPr lang="en-US" dirty="0"/>
               <a:pPr/>
-              <a:t>11/21/2019</a:t>
+              <a:t>11/22/2019</a:t>
             </a:fld>
             <a:endParaRPr lang="en-US" dirty="0"/>
           </a:p>
@@ -3306,7 +3303,7 @@
             <a:fld id="{87DE6118-2437-4B30-8E3C-4D2BE6020583}" type="datetimeFigureOut">
               <a:rPr lang="en-US" dirty="0"/>
               <a:pPr/>
-              <a:t>11/21/2019</a:t>
+              <a:t>11/22/2019</a:t>
             </a:fld>
             <a:endParaRPr lang="en-US" dirty="0"/>
           </a:p>
@@ -3973,13 +3970,174 @@
         </p:blipFill>
         <p:spPr bwMode="auto">
           <a:xfrm>
-            <a:off x="2000643" y="482821"/>
-            <a:ext cx="8190714" cy="5892357"/>
+            <a:off x="716792" y="-1"/>
+            <a:ext cx="5719808" cy="4114800"/>
           </a:xfrm>
           <a:prstGeom prst="rect">
             <a:avLst/>
           </a:prstGeom>
           <a:noFill/>
+          <a:extLst>
+            <a:ext uri="{909E8E84-426E-40DD-AFC4-6F175D3DCCD1}">
+              <a14:hiddenFill xmlns:a14="http://schemas.microsoft.com/office/drawing/2010/main">
+                <a:solidFill>
+                  <a:srgbClr val="FFFFFF"/>
+                </a:solidFill>
+              </a14:hiddenFill>
+            </a:ext>
+          </a:extLst>
+        </p:spPr>
+      </p:pic>
+      <p:pic>
+        <p:nvPicPr>
+          <p:cNvPr id="13" name="Picture 2">
+            <a:extLst>
+              <a:ext uri="{FF2B5EF4-FFF2-40B4-BE49-F238E27FC236}">
+                <a16:creationId xmlns:a16="http://schemas.microsoft.com/office/drawing/2014/main" id="{660F8B17-AAF2-498C-80A3-10AC99024C97}"/>
+              </a:ext>
+            </a:extLst>
+          </p:cNvPr>
+          <p:cNvPicPr>
+            <a:picLocks noChangeAspect="1" noChangeArrowheads="1"/>
+          </p:cNvPicPr>
+          <p:nvPr/>
+        </p:nvPicPr>
+        <p:blipFill>
+          <a:blip r:embed="rId3">
+            <a:extLst>
+              <a:ext uri="{28A0092B-C50C-407E-A947-70E740481C1C}">
+                <a14:useLocalDpi xmlns:a14="http://schemas.microsoft.com/office/drawing/2010/main" val="0"/>
+              </a:ext>
+            </a:extLst>
+          </a:blip>
+          <a:srcRect/>
+          <a:stretch>
+            <a:fillRect/>
+          </a:stretch>
+        </p:blipFill>
+        <p:spPr bwMode="auto">
+          <a:xfrm>
+            <a:off x="6465486" y="2745432"/>
+            <a:ext cx="5719809" cy="4114800"/>
+          </a:xfrm>
+          <a:prstGeom prst="rect">
+            <a:avLst/>
+          </a:prstGeom>
+          <a:noFill/>
+          <a:extLst>
+            <a:ext uri="{909E8E84-426E-40DD-AFC4-6F175D3DCCD1}">
+              <a14:hiddenFill xmlns:a14="http://schemas.microsoft.com/office/drawing/2010/main">
+                <a:solidFill>
+                  <a:srgbClr val="FFFFFF"/>
+                </a:solidFill>
+              </a14:hiddenFill>
+            </a:ext>
+          </a:extLst>
+        </p:spPr>
+      </p:pic>
+      <p:pic>
+        <p:nvPicPr>
+          <p:cNvPr id="2050" name="Picture 2" descr="Image result for benin&quot;">
+            <a:extLst>
+              <a:ext uri="{FF2B5EF4-FFF2-40B4-BE49-F238E27FC236}">
+                <a16:creationId xmlns:a16="http://schemas.microsoft.com/office/drawing/2014/main" id="{BCE6A54D-BE62-4F2F-8C35-AD22704DDC80}"/>
+              </a:ext>
+            </a:extLst>
+          </p:cNvPr>
+          <p:cNvPicPr>
+            <a:picLocks noChangeAspect="1" noChangeArrowheads="1"/>
+          </p:cNvPicPr>
+          <p:nvPr/>
+        </p:nvPicPr>
+        <p:blipFill rotWithShape="1">
+          <a:blip r:embed="rId4">
+            <a:extLst>
+              <a:ext uri="{28A0092B-C50C-407E-A947-70E740481C1C}">
+                <a14:useLocalDpi xmlns:a14="http://schemas.microsoft.com/office/drawing/2010/main" val="0"/>
+              </a:ext>
+            </a:extLst>
+          </a:blip>
+          <a:srcRect l="1939" t="22182" r="3257" b="4155"/>
+          <a:stretch/>
+        </p:blipFill>
+        <p:spPr bwMode="auto">
+          <a:xfrm>
+            <a:off x="1979381" y="4240809"/>
+            <a:ext cx="3194629" cy="2378186"/>
+          </a:xfrm>
+          <a:prstGeom prst="rect">
+            <a:avLst/>
+          </a:prstGeom>
+          <a:ln w="127000" cap="sq">
+            <a:solidFill>
+              <a:srgbClr val="000000"/>
+            </a:solidFill>
+            <a:miter lim="800000"/>
+          </a:ln>
+          <a:effectLst>
+            <a:outerShdw blurRad="57150" dist="50800" dir="2700000" algn="tl" rotWithShape="0">
+              <a:srgbClr val="000000">
+                <a:alpha val="40000"/>
+              </a:srgbClr>
+            </a:outerShdw>
+          </a:effectLst>
+          <a:extLst>
+            <a:ext uri="{909E8E84-426E-40DD-AFC4-6F175D3DCCD1}">
+              <a14:hiddenFill xmlns:a14="http://schemas.microsoft.com/office/drawing/2010/main">
+                <a:solidFill>
+                  <a:srgbClr val="FFFFFF"/>
+                </a:solidFill>
+              </a14:hiddenFill>
+            </a:ext>
+          </a:extLst>
+        </p:spPr>
+      </p:pic>
+      <p:pic>
+        <p:nvPicPr>
+          <p:cNvPr id="2054" name="Picture 6" descr="Image result for republic of congo&quot;">
+            <a:extLst>
+              <a:ext uri="{FF2B5EF4-FFF2-40B4-BE49-F238E27FC236}">
+                <a16:creationId xmlns:a16="http://schemas.microsoft.com/office/drawing/2014/main" id="{84E66328-D81C-423F-9893-2748F5277B4A}"/>
+              </a:ext>
+            </a:extLst>
+          </p:cNvPr>
+          <p:cNvPicPr>
+            <a:picLocks noChangeAspect="1" noChangeArrowheads="1"/>
+          </p:cNvPicPr>
+          <p:nvPr/>
+        </p:nvPicPr>
+        <p:blipFill rotWithShape="1">
+          <a:blip r:embed="rId5">
+            <a:extLst>
+              <a:ext uri="{28A0092B-C50C-407E-A947-70E740481C1C}">
+                <a14:useLocalDpi xmlns:a14="http://schemas.microsoft.com/office/drawing/2010/main" val="0"/>
+              </a:ext>
+            </a:extLst>
+          </a:blip>
+          <a:srcRect l="1785" t="11057" r="2870" b="11541"/>
+          <a:stretch/>
+        </p:blipFill>
+        <p:spPr bwMode="auto">
+          <a:xfrm>
+            <a:off x="7995353" y="341746"/>
+            <a:ext cx="2660074" cy="2068945"/>
+          </a:xfrm>
+          <a:prstGeom prst="rect">
+            <a:avLst/>
+          </a:prstGeom>
+          <a:ln w="127000" cap="sq">
+            <a:solidFill>
+              <a:srgbClr val="000000"/>
+            </a:solidFill>
+            <a:miter lim="800000"/>
+          </a:ln>
+          <a:effectLst>
+            <a:outerShdw blurRad="57150" dist="50800" dir="2700000" algn="tl" rotWithShape="0">
+              <a:srgbClr val="000000">
+                <a:alpha val="40000"/>
+              </a:srgbClr>
+            </a:outerShdw>
+          </a:effectLst>
           <a:extLst>
             <a:ext uri="{909E8E84-426E-40DD-AFC4-6F175D3DCCD1}">
               <a14:hiddenFill xmlns:a14="http://schemas.microsoft.com/office/drawing/2010/main">
@@ -4005,83 +4163,6 @@
 </file>
 
 <file path=ppt/slides/slide11.xml><?xml version="1.0" encoding="utf-8"?>
-<p:sld xmlns:a="http://schemas.openxmlformats.org/drawingml/2006/main" xmlns:r="http://schemas.openxmlformats.org/officeDocument/2006/relationships" xmlns:p="http://schemas.openxmlformats.org/presentationml/2006/main">
-  <p:cSld>
-    <p:spTree>
-      <p:nvGrpSpPr>
-        <p:cNvPr id="1" name=""/>
-        <p:cNvGrpSpPr/>
-        <p:nvPr/>
-      </p:nvGrpSpPr>
-      <p:grpSpPr>
-        <a:xfrm>
-          <a:off x="0" y="0"/>
-          <a:ext cx="0" cy="0"/>
-          <a:chOff x="0" y="0"/>
-          <a:chExt cx="0" cy="0"/>
-        </a:xfrm>
-      </p:grpSpPr>
-      <p:pic>
-        <p:nvPicPr>
-          <p:cNvPr id="6146" name="Picture 2">
-            <a:extLst>
-              <a:ext uri="{FF2B5EF4-FFF2-40B4-BE49-F238E27FC236}">
-                <a16:creationId xmlns:a16="http://schemas.microsoft.com/office/drawing/2014/main" id="{FFFC2DF3-1140-4FD7-9E5A-4EEDC2102F5E}"/>
-              </a:ext>
-            </a:extLst>
-          </p:cNvPr>
-          <p:cNvPicPr>
-            <a:picLocks noChangeAspect="1" noChangeArrowheads="1"/>
-          </p:cNvPicPr>
-          <p:nvPr/>
-        </p:nvPicPr>
-        <p:blipFill>
-          <a:blip r:embed="rId2">
-            <a:extLst>
-              <a:ext uri="{28A0092B-C50C-407E-A947-70E740481C1C}">
-                <a14:useLocalDpi xmlns:a14="http://schemas.microsoft.com/office/drawing/2010/main" val="0"/>
-              </a:ext>
-            </a:extLst>
-          </a:blip>
-          <a:srcRect/>
-          <a:stretch>
-            <a:fillRect/>
-          </a:stretch>
-        </p:blipFill>
-        <p:spPr bwMode="auto">
-          <a:xfrm>
-            <a:off x="2003159" y="484632"/>
-            <a:ext cx="8185681" cy="5888736"/>
-          </a:xfrm>
-          <a:prstGeom prst="rect">
-            <a:avLst/>
-          </a:prstGeom>
-          <a:noFill/>
-          <a:extLst>
-            <a:ext uri="{909E8E84-426E-40DD-AFC4-6F175D3DCCD1}">
-              <a14:hiddenFill xmlns:a14="http://schemas.microsoft.com/office/drawing/2010/main">
-                <a:solidFill>
-                  <a:srgbClr val="FFFFFF"/>
-                </a:solidFill>
-              </a14:hiddenFill>
-            </a:ext>
-          </a:extLst>
-        </p:spPr>
-      </p:pic>
-    </p:spTree>
-    <p:extLst>
-      <p:ext uri="{BB962C8B-B14F-4D97-AF65-F5344CB8AC3E}">
-        <p14:creationId xmlns:p14="http://schemas.microsoft.com/office/powerpoint/2010/main" val="1707664924"/>
-      </p:ext>
-    </p:extLst>
-  </p:cSld>
-  <p:clrMapOvr>
-    <a:masterClrMapping/>
-  </p:clrMapOvr>
-</p:sld>
-</file>
-
-<file path=ppt/slides/slide12.xml><?xml version="1.0" encoding="utf-8"?>
 <p:sld xmlns:a="http://schemas.openxmlformats.org/drawingml/2006/main" xmlns:r="http://schemas.openxmlformats.org/officeDocument/2006/relationships" xmlns:p="http://schemas.openxmlformats.org/presentationml/2006/main">
   <p:cSld>
     <p:spTree>
@@ -4127,13 +4208,174 @@
         </p:blipFill>
         <p:spPr bwMode="auto">
           <a:xfrm>
-            <a:off x="2003159" y="484632"/>
-            <a:ext cx="8185681" cy="5888736"/>
+            <a:off x="709629" y="0"/>
+            <a:ext cx="5719805" cy="4114800"/>
           </a:xfrm>
           <a:prstGeom prst="rect">
             <a:avLst/>
           </a:prstGeom>
           <a:noFill/>
+          <a:extLst>
+            <a:ext uri="{909E8E84-426E-40DD-AFC4-6F175D3DCCD1}">
+              <a14:hiddenFill xmlns:a14="http://schemas.microsoft.com/office/drawing/2010/main">
+                <a:solidFill>
+                  <a:srgbClr val="FFFFFF"/>
+                </a:solidFill>
+              </a14:hiddenFill>
+            </a:ext>
+          </a:extLst>
+        </p:spPr>
+      </p:pic>
+      <p:pic>
+        <p:nvPicPr>
+          <p:cNvPr id="3" name="Picture 2">
+            <a:extLst>
+              <a:ext uri="{FF2B5EF4-FFF2-40B4-BE49-F238E27FC236}">
+                <a16:creationId xmlns:a16="http://schemas.microsoft.com/office/drawing/2014/main" id="{D0B631C0-7E61-45B2-948F-BE94284FBDEE}"/>
+              </a:ext>
+            </a:extLst>
+          </p:cNvPr>
+          <p:cNvPicPr>
+            <a:picLocks noChangeAspect="1" noChangeArrowheads="1"/>
+          </p:cNvPicPr>
+          <p:nvPr/>
+        </p:nvPicPr>
+        <p:blipFill>
+          <a:blip r:embed="rId3">
+            <a:extLst>
+              <a:ext uri="{28A0092B-C50C-407E-A947-70E740481C1C}">
+                <a14:useLocalDpi xmlns:a14="http://schemas.microsoft.com/office/drawing/2010/main" val="0"/>
+              </a:ext>
+            </a:extLst>
+          </a:blip>
+          <a:srcRect/>
+          <a:stretch>
+            <a:fillRect/>
+          </a:stretch>
+        </p:blipFill>
+        <p:spPr bwMode="auto">
+          <a:xfrm>
+            <a:off x="6472195" y="2743200"/>
+            <a:ext cx="5719805" cy="4114800"/>
+          </a:xfrm>
+          <a:prstGeom prst="rect">
+            <a:avLst/>
+          </a:prstGeom>
+          <a:noFill/>
+          <a:extLst>
+            <a:ext uri="{909E8E84-426E-40DD-AFC4-6F175D3DCCD1}">
+              <a14:hiddenFill xmlns:a14="http://schemas.microsoft.com/office/drawing/2010/main">
+                <a:solidFill>
+                  <a:srgbClr val="FFFFFF"/>
+                </a:solidFill>
+              </a14:hiddenFill>
+            </a:ext>
+          </a:extLst>
+        </p:spPr>
+      </p:pic>
+      <p:pic>
+        <p:nvPicPr>
+          <p:cNvPr id="3074" name="Picture 2" descr="Image result for syria&quot;">
+            <a:extLst>
+              <a:ext uri="{FF2B5EF4-FFF2-40B4-BE49-F238E27FC236}">
+                <a16:creationId xmlns:a16="http://schemas.microsoft.com/office/drawing/2014/main" id="{815FF363-08E6-4404-BD1F-ACCDC256E0EC}"/>
+              </a:ext>
+            </a:extLst>
+          </p:cNvPr>
+          <p:cNvPicPr>
+            <a:picLocks noChangeAspect="1" noChangeArrowheads="1"/>
+          </p:cNvPicPr>
+          <p:nvPr/>
+        </p:nvPicPr>
+        <p:blipFill rotWithShape="1">
+          <a:blip r:embed="rId4">
+            <a:extLst>
+              <a:ext uri="{28A0092B-C50C-407E-A947-70E740481C1C}">
+                <a14:useLocalDpi xmlns:a14="http://schemas.microsoft.com/office/drawing/2010/main" val="0"/>
+              </a:ext>
+            </a:extLst>
+          </a:blip>
+          <a:srcRect l="2326" t="15650" r="3382" b="10158"/>
+          <a:stretch/>
+        </p:blipFill>
+        <p:spPr bwMode="auto">
+          <a:xfrm>
+            <a:off x="2041813" y="4277368"/>
+            <a:ext cx="3055435" cy="2301853"/>
+          </a:xfrm>
+          <a:prstGeom prst="rect">
+            <a:avLst/>
+          </a:prstGeom>
+          <a:ln w="127000" cap="sq">
+            <a:solidFill>
+              <a:srgbClr val="000000"/>
+            </a:solidFill>
+            <a:miter lim="800000"/>
+          </a:ln>
+          <a:effectLst>
+            <a:outerShdw blurRad="57150" dist="50800" dir="2700000" algn="tl" rotWithShape="0">
+              <a:srgbClr val="000000">
+                <a:alpha val="40000"/>
+              </a:srgbClr>
+            </a:outerShdw>
+          </a:effectLst>
+          <a:extLst>
+            <a:ext uri="{909E8E84-426E-40DD-AFC4-6F175D3DCCD1}">
+              <a14:hiddenFill xmlns:a14="http://schemas.microsoft.com/office/drawing/2010/main">
+                <a:solidFill>
+                  <a:srgbClr val="FFFFFF"/>
+                </a:solidFill>
+              </a14:hiddenFill>
+            </a:ext>
+          </a:extLst>
+        </p:spPr>
+      </p:pic>
+      <p:pic>
+        <p:nvPicPr>
+          <p:cNvPr id="3076" name="Picture 4" descr="Image result for angola">
+            <a:extLst>
+              <a:ext uri="{FF2B5EF4-FFF2-40B4-BE49-F238E27FC236}">
+                <a16:creationId xmlns:a16="http://schemas.microsoft.com/office/drawing/2014/main" id="{4B633014-47A2-4F1D-BDD8-AA90D42BEA70}"/>
+              </a:ext>
+            </a:extLst>
+          </p:cNvPr>
+          <p:cNvPicPr>
+            <a:picLocks noChangeAspect="1" noChangeArrowheads="1"/>
+          </p:cNvPicPr>
+          <p:nvPr/>
+        </p:nvPicPr>
+        <p:blipFill rotWithShape="1">
+          <a:blip r:embed="rId5">
+            <a:extLst>
+              <a:ext uri="{28A0092B-C50C-407E-A947-70E740481C1C}">
+                <a14:useLocalDpi xmlns:a14="http://schemas.microsoft.com/office/drawing/2010/main" val="0"/>
+              </a:ext>
+            </a:extLst>
+          </a:blip>
+          <a:srcRect l="4056" t="17805" r="3410" b="6097"/>
+          <a:stretch/>
+        </p:blipFill>
+        <p:spPr bwMode="auto">
+          <a:xfrm>
+            <a:off x="7917366" y="282416"/>
+            <a:ext cx="2832410" cy="2237761"/>
+          </a:xfrm>
+          <a:prstGeom prst="rect">
+            <a:avLst/>
+          </a:prstGeom>
+          <a:ln w="127000" cap="sq">
+            <a:solidFill>
+              <a:srgbClr val="000000"/>
+            </a:solidFill>
+            <a:miter lim="800000"/>
+          </a:ln>
+          <a:effectLst>
+            <a:outerShdw blurRad="57150" dist="50800" dir="2700000" algn="tl" rotWithShape="0">
+              <a:srgbClr val="000000">
+                <a:alpha val="40000"/>
+              </a:srgbClr>
+            </a:outerShdw>
+          </a:effectLst>
           <a:extLst>
             <a:ext uri="{909E8E84-426E-40DD-AFC4-6F175D3DCCD1}">
               <a14:hiddenFill xmlns:a14="http://schemas.microsoft.com/office/drawing/2010/main">
@@ -4158,84 +4400,7 @@
 </p:sld>
 </file>
 
-<file path=ppt/slides/slide13.xml><?xml version="1.0" encoding="utf-8"?>
-<p:sld xmlns:a="http://schemas.openxmlformats.org/drawingml/2006/main" xmlns:r="http://schemas.openxmlformats.org/officeDocument/2006/relationships" xmlns:p="http://schemas.openxmlformats.org/presentationml/2006/main">
-  <p:cSld>
-    <p:spTree>
-      <p:nvGrpSpPr>
-        <p:cNvPr id="1" name=""/>
-        <p:cNvGrpSpPr/>
-        <p:nvPr/>
-      </p:nvGrpSpPr>
-      <p:grpSpPr>
-        <a:xfrm>
-          <a:off x="0" y="0"/>
-          <a:ext cx="0" cy="0"/>
-          <a:chOff x="0" y="0"/>
-          <a:chExt cx="0" cy="0"/>
-        </a:xfrm>
-      </p:grpSpPr>
-      <p:pic>
-        <p:nvPicPr>
-          <p:cNvPr id="8194" name="Picture 2">
-            <a:extLst>
-              <a:ext uri="{FF2B5EF4-FFF2-40B4-BE49-F238E27FC236}">
-                <a16:creationId xmlns:a16="http://schemas.microsoft.com/office/drawing/2014/main" id="{C16C5B50-43B4-416D-AFE3-4FE8A383D69D}"/>
-              </a:ext>
-            </a:extLst>
-          </p:cNvPr>
-          <p:cNvPicPr>
-            <a:picLocks noChangeAspect="1" noChangeArrowheads="1"/>
-          </p:cNvPicPr>
-          <p:nvPr/>
-        </p:nvPicPr>
-        <p:blipFill>
-          <a:blip r:embed="rId2">
-            <a:extLst>
-              <a:ext uri="{28A0092B-C50C-407E-A947-70E740481C1C}">
-                <a14:useLocalDpi xmlns:a14="http://schemas.microsoft.com/office/drawing/2010/main" val="0"/>
-              </a:ext>
-            </a:extLst>
-          </a:blip>
-          <a:srcRect/>
-          <a:stretch>
-            <a:fillRect/>
-          </a:stretch>
-        </p:blipFill>
-        <p:spPr bwMode="auto">
-          <a:xfrm>
-            <a:off x="2003159" y="484632"/>
-            <a:ext cx="8185681" cy="5888736"/>
-          </a:xfrm>
-          <a:prstGeom prst="rect">
-            <a:avLst/>
-          </a:prstGeom>
-          <a:noFill/>
-          <a:extLst>
-            <a:ext uri="{909E8E84-426E-40DD-AFC4-6F175D3DCCD1}">
-              <a14:hiddenFill xmlns:a14="http://schemas.microsoft.com/office/drawing/2010/main">
-                <a:solidFill>
-                  <a:srgbClr val="FFFFFF"/>
-                </a:solidFill>
-              </a14:hiddenFill>
-            </a:ext>
-          </a:extLst>
-        </p:spPr>
-      </p:pic>
-    </p:spTree>
-    <p:extLst>
-      <p:ext uri="{BB962C8B-B14F-4D97-AF65-F5344CB8AC3E}">
-        <p14:creationId xmlns:p14="http://schemas.microsoft.com/office/powerpoint/2010/main" val="3265354486"/>
-      </p:ext>
-    </p:extLst>
-  </p:cSld>
-  <p:clrMapOvr>
-    <a:masterClrMapping/>
-  </p:clrMapOvr>
-</p:sld>
-</file>
-
-<file path=ppt/slides/slide14.xml><?xml version="1.0" encoding="utf-8"?>
+<file path=ppt/slides/slide12.xml><?xml version="1.0" encoding="utf-8"?>
 <p:sld xmlns:a="http://schemas.openxmlformats.org/drawingml/2006/main" xmlns:r="http://schemas.openxmlformats.org/officeDocument/2006/relationships" xmlns:p="http://schemas.openxmlformats.org/presentationml/2006/main">
   <p:cSld>
     <p:spTree>
@@ -4281,13 +4446,174 @@
         </p:blipFill>
         <p:spPr bwMode="auto">
           <a:xfrm>
-            <a:off x="2003159" y="484632"/>
-            <a:ext cx="8185681" cy="5888736"/>
+            <a:off x="709629" y="0"/>
+            <a:ext cx="5719805" cy="4114800"/>
           </a:xfrm>
           <a:prstGeom prst="rect">
             <a:avLst/>
           </a:prstGeom>
           <a:noFill/>
+          <a:extLst>
+            <a:ext uri="{909E8E84-426E-40DD-AFC4-6F175D3DCCD1}">
+              <a14:hiddenFill xmlns:a14="http://schemas.microsoft.com/office/drawing/2010/main">
+                <a:solidFill>
+                  <a:srgbClr val="FFFFFF"/>
+                </a:solidFill>
+              </a14:hiddenFill>
+            </a:ext>
+          </a:extLst>
+        </p:spPr>
+      </p:pic>
+      <p:pic>
+        <p:nvPicPr>
+          <p:cNvPr id="3" name="Picture 2">
+            <a:extLst>
+              <a:ext uri="{FF2B5EF4-FFF2-40B4-BE49-F238E27FC236}">
+                <a16:creationId xmlns:a16="http://schemas.microsoft.com/office/drawing/2014/main" id="{EC081AB9-5B09-4709-9D5B-6C3EF782E2A9}"/>
+              </a:ext>
+            </a:extLst>
+          </p:cNvPr>
+          <p:cNvPicPr>
+            <a:picLocks noChangeAspect="1" noChangeArrowheads="1"/>
+          </p:cNvPicPr>
+          <p:nvPr/>
+        </p:nvPicPr>
+        <p:blipFill>
+          <a:blip r:embed="rId3">
+            <a:extLst>
+              <a:ext uri="{28A0092B-C50C-407E-A947-70E740481C1C}">
+                <a14:useLocalDpi xmlns:a14="http://schemas.microsoft.com/office/drawing/2010/main" val="0"/>
+              </a:ext>
+            </a:extLst>
+          </a:blip>
+          <a:srcRect/>
+          <a:stretch>
+            <a:fillRect/>
+          </a:stretch>
+        </p:blipFill>
+        <p:spPr bwMode="auto">
+          <a:xfrm>
+            <a:off x="6472195" y="2748328"/>
+            <a:ext cx="5719805" cy="4114800"/>
+          </a:xfrm>
+          <a:prstGeom prst="rect">
+            <a:avLst/>
+          </a:prstGeom>
+          <a:noFill/>
+          <a:extLst>
+            <a:ext uri="{909E8E84-426E-40DD-AFC4-6F175D3DCCD1}">
+              <a14:hiddenFill xmlns:a14="http://schemas.microsoft.com/office/drawing/2010/main">
+                <a:solidFill>
+                  <a:srgbClr val="FFFFFF"/>
+                </a:solidFill>
+              </a14:hiddenFill>
+            </a:ext>
+          </a:extLst>
+        </p:spPr>
+      </p:pic>
+      <p:pic>
+        <p:nvPicPr>
+          <p:cNvPr id="4098" name="Picture 2" descr="Image result for norway">
+            <a:extLst>
+              <a:ext uri="{FF2B5EF4-FFF2-40B4-BE49-F238E27FC236}">
+                <a16:creationId xmlns:a16="http://schemas.microsoft.com/office/drawing/2014/main" id="{A394F1D1-C95F-4093-A6EA-F2A0619C0047}"/>
+              </a:ext>
+            </a:extLst>
+          </p:cNvPr>
+          <p:cNvPicPr>
+            <a:picLocks noChangeAspect="1" noChangeArrowheads="1"/>
+          </p:cNvPicPr>
+          <p:nvPr/>
+        </p:nvPicPr>
+        <p:blipFill rotWithShape="1">
+          <a:blip r:embed="rId4">
+            <a:extLst>
+              <a:ext uri="{28A0092B-C50C-407E-A947-70E740481C1C}">
+                <a14:useLocalDpi xmlns:a14="http://schemas.microsoft.com/office/drawing/2010/main" val="0"/>
+              </a:ext>
+            </a:extLst>
+          </a:blip>
+          <a:srcRect l="3648" t="8226" r="3818" b="11951"/>
+          <a:stretch/>
+        </p:blipFill>
+        <p:spPr bwMode="auto">
+          <a:xfrm>
+            <a:off x="2158902" y="4263219"/>
+            <a:ext cx="2821258" cy="2338059"/>
+          </a:xfrm>
+          <a:prstGeom prst="rect">
+            <a:avLst/>
+          </a:prstGeom>
+          <a:ln w="127000" cap="sq">
+            <a:solidFill>
+              <a:srgbClr val="000000"/>
+            </a:solidFill>
+            <a:miter lim="800000"/>
+          </a:ln>
+          <a:effectLst>
+            <a:outerShdw blurRad="57150" dist="50800" dir="2700000" algn="tl" rotWithShape="0">
+              <a:srgbClr val="000000">
+                <a:alpha val="40000"/>
+              </a:srgbClr>
+            </a:outerShdw>
+          </a:effectLst>
+          <a:extLst>
+            <a:ext uri="{909E8E84-426E-40DD-AFC4-6F175D3DCCD1}">
+              <a14:hiddenFill xmlns:a14="http://schemas.microsoft.com/office/drawing/2010/main">
+                <a:solidFill>
+                  <a:srgbClr val="FFFFFF"/>
+                </a:solidFill>
+              </a14:hiddenFill>
+            </a:ext>
+          </a:extLst>
+        </p:spPr>
+      </p:pic>
+      <p:pic>
+        <p:nvPicPr>
+          <p:cNvPr id="4100" name="Picture 4" descr="Image result for australia">
+            <a:extLst>
+              <a:ext uri="{FF2B5EF4-FFF2-40B4-BE49-F238E27FC236}">
+                <a16:creationId xmlns:a16="http://schemas.microsoft.com/office/drawing/2014/main" id="{697942EF-06F1-4FD6-B21D-BA5DDCE4A568}"/>
+              </a:ext>
+            </a:extLst>
+          </p:cNvPr>
+          <p:cNvPicPr>
+            <a:picLocks noChangeAspect="1" noChangeArrowheads="1"/>
+          </p:cNvPicPr>
+          <p:nvPr/>
+        </p:nvPicPr>
+        <p:blipFill rotWithShape="1">
+          <a:blip r:embed="rId5">
+            <a:extLst>
+              <a:ext uri="{28A0092B-C50C-407E-A947-70E740481C1C}">
+                <a14:useLocalDpi xmlns:a14="http://schemas.microsoft.com/office/drawing/2010/main" val="0"/>
+              </a:ext>
+            </a:extLst>
+          </a:blip>
+          <a:srcRect l="3032" t="10355" r="2899" b="11419"/>
+          <a:stretch/>
+        </p:blipFill>
+        <p:spPr bwMode="auto">
+          <a:xfrm>
+            <a:off x="7943770" y="351604"/>
+            <a:ext cx="2776653" cy="2218306"/>
+          </a:xfrm>
+          <a:prstGeom prst="rect">
+            <a:avLst/>
+          </a:prstGeom>
+          <a:ln w="127000" cap="sq">
+            <a:solidFill>
+              <a:srgbClr val="000000"/>
+            </a:solidFill>
+            <a:miter lim="800000"/>
+          </a:ln>
+          <a:effectLst>
+            <a:outerShdw blurRad="57150" dist="50800" dir="2700000" algn="tl" rotWithShape="0">
+              <a:srgbClr val="000000">
+                <a:alpha val="40000"/>
+              </a:srgbClr>
+            </a:outerShdw>
+          </a:effectLst>
           <a:extLst>
             <a:ext uri="{909E8E84-426E-40DD-AFC4-6F175D3DCCD1}">
               <a14:hiddenFill xmlns:a14="http://schemas.microsoft.com/office/drawing/2010/main">
@@ -4312,84 +4638,7 @@
 </p:sld>
 </file>
 
-<file path=ppt/slides/slide15.xml><?xml version="1.0" encoding="utf-8"?>
-<p:sld xmlns:a="http://schemas.openxmlformats.org/drawingml/2006/main" xmlns:r="http://schemas.openxmlformats.org/officeDocument/2006/relationships" xmlns:p="http://schemas.openxmlformats.org/presentationml/2006/main">
-  <p:cSld>
-    <p:spTree>
-      <p:nvGrpSpPr>
-        <p:cNvPr id="1" name=""/>
-        <p:cNvGrpSpPr/>
-        <p:nvPr/>
-      </p:nvGrpSpPr>
-      <p:grpSpPr>
-        <a:xfrm>
-          <a:off x="0" y="0"/>
-          <a:ext cx="0" cy="0"/>
-          <a:chOff x="0" y="0"/>
-          <a:chExt cx="0" cy="0"/>
-        </a:xfrm>
-      </p:grpSpPr>
-      <p:pic>
-        <p:nvPicPr>
-          <p:cNvPr id="10242" name="Picture 2">
-            <a:extLst>
-              <a:ext uri="{FF2B5EF4-FFF2-40B4-BE49-F238E27FC236}">
-                <a16:creationId xmlns:a16="http://schemas.microsoft.com/office/drawing/2014/main" id="{41989793-B446-411D-A0DE-2166A10AEA9F}"/>
-              </a:ext>
-            </a:extLst>
-          </p:cNvPr>
-          <p:cNvPicPr>
-            <a:picLocks noChangeAspect="1" noChangeArrowheads="1"/>
-          </p:cNvPicPr>
-          <p:nvPr/>
-        </p:nvPicPr>
-        <p:blipFill>
-          <a:blip r:embed="rId2">
-            <a:extLst>
-              <a:ext uri="{28A0092B-C50C-407E-A947-70E740481C1C}">
-                <a14:useLocalDpi xmlns:a14="http://schemas.microsoft.com/office/drawing/2010/main" val="0"/>
-              </a:ext>
-            </a:extLst>
-          </a:blip>
-          <a:srcRect/>
-          <a:stretch>
-            <a:fillRect/>
-          </a:stretch>
-        </p:blipFill>
-        <p:spPr bwMode="auto">
-          <a:xfrm>
-            <a:off x="2003159" y="484632"/>
-            <a:ext cx="8185681" cy="5888736"/>
-          </a:xfrm>
-          <a:prstGeom prst="rect">
-            <a:avLst/>
-          </a:prstGeom>
-          <a:noFill/>
-          <a:extLst>
-            <a:ext uri="{909E8E84-426E-40DD-AFC4-6F175D3DCCD1}">
-              <a14:hiddenFill xmlns:a14="http://schemas.microsoft.com/office/drawing/2010/main">
-                <a:solidFill>
-                  <a:srgbClr val="FFFFFF"/>
-                </a:solidFill>
-              </a14:hiddenFill>
-            </a:ext>
-          </a:extLst>
-        </p:spPr>
-      </p:pic>
-    </p:spTree>
-    <p:extLst>
-      <p:ext uri="{BB962C8B-B14F-4D97-AF65-F5344CB8AC3E}">
-        <p14:creationId xmlns:p14="http://schemas.microsoft.com/office/powerpoint/2010/main" val="4011804269"/>
-      </p:ext>
-    </p:extLst>
-  </p:cSld>
-  <p:clrMapOvr>
-    <a:masterClrMapping/>
-  </p:clrMapOvr>
-</p:sld>
-</file>
-
-<file path=ppt/slides/slide16.xml><?xml version="1.0" encoding="utf-8"?>
+<file path=ppt/slides/slide13.xml><?xml version="1.0" encoding="utf-8"?>
 <p:sld xmlns:a="http://schemas.openxmlformats.org/drawingml/2006/main" xmlns:r="http://schemas.openxmlformats.org/officeDocument/2006/relationships" xmlns:p="http://schemas.openxmlformats.org/presentationml/2006/main">
   <p:cSld>
     <p:bg>
@@ -4491,7 +4740,7 @@
 </p:sld>
 </file>
 
-<file path=ppt/slides/slide17.xml><?xml version="1.0" encoding="utf-8"?>
+<file path=ppt/slides/slide14.xml><?xml version="1.0" encoding="utf-8"?>
 <p:sld xmlns:a="http://schemas.openxmlformats.org/drawingml/2006/main" xmlns:r="http://schemas.openxmlformats.org/officeDocument/2006/relationships" xmlns:p="http://schemas.openxmlformats.org/presentationml/2006/main">
   <p:cSld>
     <p:spTree>
@@ -4565,7 +4814,7 @@
           <a:p>
             <a:r>
               <a:rPr lang="en-US" dirty="0"/>
-              <a:t>Log GDP per capita was the variable most closely correlated with happiness, thus money indeed does buy happiness (or being happy bring in more money).</a:t>
+              <a:t>Log GDP per capita was the variable most closely correlated with happiness; thus money indeed does buy happiness (or being happy bring in more money).</a:t>
             </a:r>
           </a:p>
           <a:p>
@@ -4589,7 +4838,7 @@
 </p:sld>
 </file>
 
-<file path=ppt/slides/slide18.xml><?xml version="1.0" encoding="utf-8"?>
+<file path=ppt/slides/slide15.xml><?xml version="1.0" encoding="utf-8"?>
 <p:sld xmlns:a="http://schemas.openxmlformats.org/drawingml/2006/main" xmlns:r="http://schemas.openxmlformats.org/officeDocument/2006/relationships" xmlns:p="http://schemas.openxmlformats.org/presentationml/2006/main">
   <p:cSld>
     <p:bg>
@@ -4930,7 +5179,7 @@
 </p:sld>
 </file>
 
-<file path=ppt/slides/slide19.xml><?xml version="1.0" encoding="utf-8"?>
+<file path=ppt/slides/slide16.xml><?xml version="1.0" encoding="utf-8"?>
 <p:sld xmlns:a="http://schemas.openxmlformats.org/drawingml/2006/main" xmlns:r="http://schemas.openxmlformats.org/officeDocument/2006/relationships" xmlns:p="http://schemas.openxmlformats.org/presentationml/2006/main">
   <p:cSld>
     <p:spTree>
@@ -6494,7 +6743,7 @@
       </p:grpSpPr>
       <p:grpSp>
         <p:nvGrpSpPr>
-          <p:cNvPr id="12" name="Group 11">
+          <p:cNvPr id="1030" name="Group 136">
             <a:extLst>
               <a:ext uri="{FF2B5EF4-FFF2-40B4-BE49-F238E27FC236}">
                 <a16:creationId xmlns:a16="http://schemas.microsoft.com/office/drawing/2014/main" id="{57500303-A207-4812-BEB9-51E132FEB73F}"/>
@@ -6525,7 +6774,7 @@
         </p:grpSpPr>
         <p:sp>
           <p:nvSpPr>
-            <p:cNvPr id="13" name="Freeform 6">
+            <p:cNvPr id="138" name="Freeform 6">
               <a:extLst>
                 <a:ext uri="{FF2B5EF4-FFF2-40B4-BE49-F238E27FC236}">
                   <a16:creationId xmlns:a16="http://schemas.microsoft.com/office/drawing/2014/main" id="{10118C91-C025-4776-BE95-E9926378E790}"/>
@@ -6596,7 +6845,7 @@
         </p:sp>
         <p:sp>
           <p:nvSpPr>
-            <p:cNvPr id="14" name="Freeform 6">
+            <p:cNvPr id="139" name="Freeform 6">
               <a:extLst>
                 <a:ext uri="{FF2B5EF4-FFF2-40B4-BE49-F238E27FC236}">
                   <a16:creationId xmlns:a16="http://schemas.microsoft.com/office/drawing/2014/main" id="{339174D0-30E8-4BBF-BF81-5DDAC33C0C0E}"/>
@@ -6670,7 +6919,7 @@
       </p:grpSp>
       <p:sp useBgFill="1">
         <p:nvSpPr>
-          <p:cNvPr id="16" name="Rectangle 15">
+          <p:cNvPr id="1031" name="Rectangle 140">
             <a:extLst>
               <a:ext uri="{FF2B5EF4-FFF2-40B4-BE49-F238E27FC236}">
                 <a16:creationId xmlns:a16="http://schemas.microsoft.com/office/drawing/2014/main" id="{7BB74091-09FE-44AF-8325-7FE6E175F727}"/>
@@ -6760,69 +7009,99 @@
       </p:sp>
       <p:pic>
         <p:nvPicPr>
-          <p:cNvPr id="7" name="Picture 6" descr="A screenshot of a cell phone&#10;&#10;Description automatically generated">
+          <p:cNvPr id="1028" name="Picture 4">
             <a:extLst>
               <a:ext uri="{FF2B5EF4-FFF2-40B4-BE49-F238E27FC236}">
-                <a16:creationId xmlns:a16="http://schemas.microsoft.com/office/drawing/2014/main" id="{C9B60C5F-2C5E-4125-B6BA-7B925873A363}"/>
+                <a16:creationId xmlns:a16="http://schemas.microsoft.com/office/drawing/2014/main" id="{3F50BA27-80B3-4636-BD17-B4DB0B551D01}"/>
               </a:ext>
             </a:extLst>
           </p:cNvPr>
           <p:cNvPicPr>
-            <a:picLocks noChangeAspect="1"/>
+            <a:picLocks noChangeAspect="1" noChangeArrowheads="1"/>
           </p:cNvPicPr>
           <p:nvPr/>
         </p:nvPicPr>
         <p:blipFill>
-          <a:blip r:embed="rId2"/>
+          <a:blip r:embed="rId2">
+            <a:extLst>
+              <a:ext uri="{28A0092B-C50C-407E-A947-70E740481C1C}">
+                <a14:useLocalDpi xmlns:a14="http://schemas.microsoft.com/office/drawing/2010/main" val="0"/>
+              </a:ext>
+            </a:extLst>
+          </a:blip>
           <a:stretch>
             <a:fillRect/>
           </a:stretch>
         </p:blipFill>
-        <p:spPr>
-          <a:xfrm>
-            <a:off x="243840" y="1049222"/>
-            <a:ext cx="5838424" cy="3108960"/>
+        <p:spPr bwMode="auto">
+          <a:xfrm>
+            <a:off x="6187440" y="1036396"/>
+            <a:ext cx="5784113" cy="3108960"/>
           </a:xfrm>
           <a:prstGeom prst="rect">
             <a:avLst/>
           </a:prstGeom>
+          <a:noFill/>
+          <a:extLst>
+            <a:ext uri="{909E8E84-426E-40DD-AFC4-6F175D3DCCD1}">
+              <a14:hiddenFill xmlns:a14="http://schemas.microsoft.com/office/drawing/2010/main">
+                <a:solidFill>
+                  <a:srgbClr val="FFFFFF"/>
+                </a:solidFill>
+              </a14:hiddenFill>
+            </a:ext>
+          </a:extLst>
         </p:spPr>
       </p:pic>
       <p:pic>
         <p:nvPicPr>
-          <p:cNvPr id="5" name="Content Placeholder 4" descr="A screenshot of a cell phone&#10;&#10;Description automatically generated">
+          <p:cNvPr id="1026" name="Picture 2">
             <a:extLst>
               <a:ext uri="{FF2B5EF4-FFF2-40B4-BE49-F238E27FC236}">
-                <a16:creationId xmlns:a16="http://schemas.microsoft.com/office/drawing/2014/main" id="{F8BF5B58-0415-45BD-99EE-738967CF6206}"/>
+                <a16:creationId xmlns:a16="http://schemas.microsoft.com/office/drawing/2014/main" id="{DA49A03A-652D-4628-936B-E54EFEF9C169}"/>
               </a:ext>
             </a:extLst>
           </p:cNvPr>
           <p:cNvPicPr>
-            <a:picLocks noGrp="1" noChangeAspect="1"/>
+            <a:picLocks noChangeAspect="1" noChangeArrowheads="1"/>
           </p:cNvPicPr>
-          <p:nvPr>
-            <p:ph idx="1"/>
-          </p:nvPr>
+          <p:nvPr/>
         </p:nvPicPr>
         <p:blipFill>
-          <a:blip r:embed="rId3"/>
+          <a:blip r:embed="rId3">
+            <a:extLst>
+              <a:ext uri="{28A0092B-C50C-407E-A947-70E740481C1C}">
+                <a14:useLocalDpi xmlns:a14="http://schemas.microsoft.com/office/drawing/2010/main" val="0"/>
+              </a:ext>
+            </a:extLst>
+          </a:blip>
           <a:stretch>
             <a:fillRect/>
           </a:stretch>
         </p:blipFill>
-        <p:spPr>
-          <a:xfrm>
-            <a:off x="6187440" y="1049222"/>
-            <a:ext cx="5838424" cy="3108960"/>
+        <p:spPr bwMode="auto">
+          <a:xfrm>
+            <a:off x="152400" y="1036396"/>
+            <a:ext cx="5784113" cy="3108960"/>
           </a:xfrm>
           <a:prstGeom prst="rect">
             <a:avLst/>
           </a:prstGeom>
+          <a:noFill/>
+          <a:extLst>
+            <a:ext uri="{909E8E84-426E-40DD-AFC4-6F175D3DCCD1}">
+              <a14:hiddenFill xmlns:a14="http://schemas.microsoft.com/office/drawing/2010/main">
+                <a:solidFill>
+                  <a:srgbClr val="FFFFFF"/>
+                </a:solidFill>
+              </a14:hiddenFill>
+            </a:ext>
+          </a:extLst>
         </p:spPr>
       </p:pic>
       <p:sp>
         <p:nvSpPr>
-          <p:cNvPr id="18" name="Freeform: Shape 17">
+          <p:cNvPr id="1032" name="Freeform: Shape 142">
             <a:extLst>
               <a:ext uri="{FF2B5EF4-FFF2-40B4-BE49-F238E27FC236}">
                 <a16:creationId xmlns:a16="http://schemas.microsoft.com/office/drawing/2014/main" id="{0F30CCEB-94C4-4F72-BA5A-9CEA853022DA}"/>
@@ -6928,7 +7207,7 @@
       </p:sp>
       <p:sp>
         <p:nvSpPr>
-          <p:cNvPr id="20" name="Freeform: Shape 19">
+          <p:cNvPr id="1033" name="Freeform: Shape 144">
             <a:extLst>
               <a:ext uri="{FF2B5EF4-FFF2-40B4-BE49-F238E27FC236}">
                 <a16:creationId xmlns:a16="http://schemas.microsoft.com/office/drawing/2014/main" id="{0DE1A94F-CC8B-4954-97A7-ADD4F300D647}"/>

--- a/Project1.pptx
+++ b/Project1.pptx
@@ -6674,6 +6674,7 @@
       <p:pic>
         <p:nvPicPr>
           <p:cNvPr id="5" name="Content Placeholder 4">
+            <a:hlinkClick r:id="rId2"/>
             <a:extLst>
               <a:ext uri="{FF2B5EF4-FFF2-40B4-BE49-F238E27FC236}">
                 <a16:creationId xmlns:a16="http://schemas.microsoft.com/office/drawing/2014/main" id="{5168CB32-278A-4B5D-8F81-3149D85D8F84}"/>
@@ -6688,7 +6689,7 @@
           </p:nvPr>
         </p:nvPicPr>
         <p:blipFill>
-          <a:blip r:embed="rId2"/>
+          <a:blip r:embed="rId3"/>
           <a:stretch>
             <a:fillRect/>
           </a:stretch>
@@ -6703,6 +6704,134 @@
           </a:prstGeom>
         </p:spPr>
       </p:pic>
+      <mc:AlternateContent xmlns:mc="http://schemas.openxmlformats.org/markup-compatibility/2006">
+        <mc:Choice xmlns:a14="http://schemas.microsoft.com/office/drawing/2010/main" Requires="a14">
+          <p:sp>
+            <p:nvSpPr>
+              <p:cNvPr id="3" name="TextBox 2">
+                <a:extLst>
+                  <a:ext uri="{FF2B5EF4-FFF2-40B4-BE49-F238E27FC236}">
+                    <a16:creationId xmlns:a16="http://schemas.microsoft.com/office/drawing/2014/main" id="{A8F09D90-5E3D-41A3-8D95-E4337BBF2948}"/>
+                  </a:ext>
+                </a:extLst>
+              </p:cNvPr>
+              <p:cNvSpPr txBox="1"/>
+              <p:nvPr/>
+            </p:nvSpPr>
+            <p:spPr>
+              <a:xfrm>
+                <a:off x="932129" y="5341039"/>
+                <a:ext cx="6360524" cy="923330"/>
+              </a:xfrm>
+              <a:prstGeom prst="rect">
+                <a:avLst/>
+              </a:prstGeom>
+              <a:noFill/>
+            </p:spPr>
+            <p:txBody>
+              <a:bodyPr wrap="none" rtlCol="0">
+                <a:spAutoFit/>
+              </a:bodyPr>
+              <a:lstStyle/>
+              <a:p>
+                <a:r>
+                  <a:rPr lang="en-US" dirty="0"/>
+                  <a:t>Happiness vs Log GDP per capita: p-value was too small to print</a:t>
+                </a:r>
+              </a:p>
+              <a:p>
+                <a:r>
+                  <a:rPr lang="en-US" dirty="0"/>
+                  <a:t>Happiness vs Freedom: p-value = </a:t>
+                </a:r>
+                <a14:m>
+                  <m:oMath xmlns:m="http://schemas.openxmlformats.org/officeDocument/2006/math">
+                    <m:r>
+                      <a:rPr lang="en-US" b="0" i="1" smtClean="0">
+                        <a:latin typeface="Cambria Math" panose="02040503050406030204" pitchFamily="18" charset="0"/>
+                      </a:rPr>
+                      <m:t>6.76∗</m:t>
+                    </m:r>
+                    <m:sSup>
+                      <m:sSupPr>
+                        <m:ctrlPr>
+                          <a:rPr lang="en-US" b="0" i="1" smtClean="0">
+                            <a:latin typeface="Cambria Math" panose="02040503050406030204" pitchFamily="18" charset="0"/>
+                          </a:rPr>
+                        </m:ctrlPr>
+                      </m:sSupPr>
+                      <m:e>
+                        <m:r>
+                          <a:rPr lang="en-US" b="0" i="1" smtClean="0">
+                            <a:latin typeface="Cambria Math" panose="02040503050406030204" pitchFamily="18" charset="0"/>
+                          </a:rPr>
+                          <m:t>10</m:t>
+                        </m:r>
+                      </m:e>
+                      <m:sup>
+                        <m:r>
+                          <a:rPr lang="en-US" b="0" i="1" smtClean="0">
+                            <a:latin typeface="Cambria Math" panose="02040503050406030204" pitchFamily="18" charset="0"/>
+                          </a:rPr>
+                          <m:t>−118</m:t>
+                        </m:r>
+                      </m:sup>
+                    </m:sSup>
+                  </m:oMath>
+                </a14:m>
+                <a:endParaRPr lang="en-US" b="0" dirty="0"/>
+              </a:p>
+              <a:p>
+                <a:endParaRPr lang="en-US" dirty="0"/>
+              </a:p>
+            </p:txBody>
+          </p:sp>
+        </mc:Choice>
+        <mc:Fallback>
+          <p:sp>
+            <p:nvSpPr>
+              <p:cNvPr id="3" name="TextBox 2">
+                <a:extLst>
+                  <a:ext uri="{FF2B5EF4-FFF2-40B4-BE49-F238E27FC236}">
+                    <a16:creationId xmlns:a16="http://schemas.microsoft.com/office/drawing/2014/main" id="{A8F09D90-5E3D-41A3-8D95-E4337BBF2948}"/>
+                  </a:ext>
+                </a:extLst>
+              </p:cNvPr>
+              <p:cNvSpPr txBox="1">
+                <a:spLocks noRot="1" noChangeAspect="1" noMove="1" noResize="1" noEditPoints="1" noAdjustHandles="1" noChangeArrowheads="1" noChangeShapeType="1" noTextEdit="1"/>
+              </p:cNvSpPr>
+              <p:nvPr/>
+            </p:nvSpPr>
+            <p:spPr>
+              <a:xfrm>
+                <a:off x="932129" y="5341039"/>
+                <a:ext cx="6360524" cy="923330"/>
+              </a:xfrm>
+              <a:prstGeom prst="rect">
+                <a:avLst/>
+              </a:prstGeom>
+              <a:blipFill>
+                <a:blip r:embed="rId4"/>
+                <a:stretch>
+                  <a:fillRect l="-863" t="-3289" r="-96"/>
+                </a:stretch>
+              </a:blipFill>
+            </p:spPr>
+            <p:txBody>
+              <a:bodyPr/>
+              <a:lstStyle/>
+              <a:p>
+                <a:r>
+                  <a:rPr lang="en-US">
+                    <a:noFill/>
+                  </a:rPr>
+                  <a:t> </a:t>
+                </a:r>
+              </a:p>
+            </p:txBody>
+          </p:sp>
+        </mc:Fallback>
+      </mc:AlternateContent>
     </p:spTree>
     <p:extLst>
       <p:ext uri="{BB962C8B-B14F-4D97-AF65-F5344CB8AC3E}">
@@ -7311,6 +7440,125 @@
           </a:ln>
         </p:spPr>
       </p:sp>
+      <mc:AlternateContent xmlns:mc="http://schemas.openxmlformats.org/markup-compatibility/2006">
+        <mc:Choice xmlns:a14="http://schemas.microsoft.com/office/drawing/2010/main" Requires="a14">
+          <p:sp>
+            <p:nvSpPr>
+              <p:cNvPr id="3" name="TextBox 2">
+                <a:extLst>
+                  <a:ext uri="{FF2B5EF4-FFF2-40B4-BE49-F238E27FC236}">
+                    <a16:creationId xmlns:a16="http://schemas.microsoft.com/office/drawing/2014/main" id="{6F8AB27C-DC90-488B-BE91-0B39AADC17D8}"/>
+                  </a:ext>
+                </a:extLst>
+              </p:cNvPr>
+              <p:cNvSpPr txBox="1"/>
+              <p:nvPr/>
+            </p:nvSpPr>
+            <p:spPr>
+              <a:xfrm>
+                <a:off x="2510158" y="5673730"/>
+                <a:ext cx="6852710" cy="369332"/>
+              </a:xfrm>
+              <a:prstGeom prst="rect">
+                <a:avLst/>
+              </a:prstGeom>
+              <a:noFill/>
+            </p:spPr>
+            <p:txBody>
+              <a:bodyPr wrap="none" rtlCol="0">
+                <a:spAutoFit/>
+              </a:bodyPr>
+              <a:lstStyle/>
+              <a:p>
+                <a:r>
+                  <a:rPr lang="en-US" dirty="0"/>
+                  <a:t>Happiness vs Consumer Electronics Revenue: p-value = </a:t>
+                </a:r>
+                <a14:m>
+                  <m:oMath xmlns:m="http://schemas.openxmlformats.org/officeDocument/2006/math">
+                    <m:r>
+                      <a:rPr lang="en-US" b="0" i="1" smtClean="0">
+                        <a:latin typeface="Cambria Math" panose="02040503050406030204" pitchFamily="18" charset="0"/>
+                      </a:rPr>
+                      <m:t>1.63∗</m:t>
+                    </m:r>
+                    <m:sSup>
+                      <m:sSupPr>
+                        <m:ctrlPr>
+                          <a:rPr lang="en-US" b="0" i="1" smtClean="0">
+                            <a:latin typeface="Cambria Math" panose="02040503050406030204" pitchFamily="18" charset="0"/>
+                          </a:rPr>
+                        </m:ctrlPr>
+                      </m:sSupPr>
+                      <m:e>
+                        <m:r>
+                          <a:rPr lang="en-US" b="0" i="1" smtClean="0">
+                            <a:latin typeface="Cambria Math" panose="02040503050406030204" pitchFamily="18" charset="0"/>
+                          </a:rPr>
+                          <m:t>10</m:t>
+                        </m:r>
+                      </m:e>
+                      <m:sup>
+                        <m:r>
+                          <a:rPr lang="en-US" b="0" i="1" smtClean="0">
+                            <a:latin typeface="Cambria Math" panose="02040503050406030204" pitchFamily="18" charset="0"/>
+                          </a:rPr>
+                          <m:t>−39</m:t>
+                        </m:r>
+                      </m:sup>
+                    </m:sSup>
+                  </m:oMath>
+                </a14:m>
+                <a:endParaRPr lang="en-US" b="0" dirty="0"/>
+              </a:p>
+            </p:txBody>
+          </p:sp>
+        </mc:Choice>
+        <mc:Fallback>
+          <p:sp>
+            <p:nvSpPr>
+              <p:cNvPr id="3" name="TextBox 2">
+                <a:extLst>
+                  <a:ext uri="{FF2B5EF4-FFF2-40B4-BE49-F238E27FC236}">
+                    <a16:creationId xmlns:a16="http://schemas.microsoft.com/office/drawing/2014/main" id="{6F8AB27C-DC90-488B-BE91-0B39AADC17D8}"/>
+                  </a:ext>
+                </a:extLst>
+              </p:cNvPr>
+              <p:cNvSpPr txBox="1">
+                <a:spLocks noRot="1" noChangeAspect="1" noMove="1" noResize="1" noEditPoints="1" noAdjustHandles="1" noChangeArrowheads="1" noChangeShapeType="1" noTextEdit="1"/>
+              </p:cNvSpPr>
+              <p:nvPr/>
+            </p:nvSpPr>
+            <p:spPr>
+              <a:xfrm>
+                <a:off x="2510158" y="5673730"/>
+                <a:ext cx="6852710" cy="369332"/>
+              </a:xfrm>
+              <a:prstGeom prst="rect">
+                <a:avLst/>
+              </a:prstGeom>
+              <a:blipFill>
+                <a:blip r:embed="rId4"/>
+                <a:stretch>
+                  <a:fillRect l="-801" t="-10000" b="-26667"/>
+                </a:stretch>
+              </a:blipFill>
+            </p:spPr>
+            <p:txBody>
+              <a:bodyPr/>
+              <a:lstStyle/>
+              <a:p>
+                <a:r>
+                  <a:rPr lang="en-US">
+                    <a:noFill/>
+                  </a:rPr>
+                  <a:t> </a:t>
+                </a:r>
+              </a:p>
+            </p:txBody>
+          </p:sp>
+        </mc:Fallback>
+      </mc:AlternateContent>
     </p:spTree>
     <p:extLst>
       <p:ext uri="{BB962C8B-B14F-4D97-AF65-F5344CB8AC3E}">

--- a/Project1.pptx
+++ b/Project1.pptx
@@ -3903,7 +3903,7 @@
             </a:r>
             <a:r>
               <a:rPr lang="en-US" dirty="0"/>
-              <a:t> Xu - Visualization Expert</a:t>
+              <a:t> Xu - Plot Builder</a:t>
             </a:r>
           </a:p>
           <a:p>
@@ -6704,8 +6704,8 @@
           </a:prstGeom>
         </p:spPr>
       </p:pic>
-      <mc:AlternateContent xmlns:mc="http://schemas.openxmlformats.org/markup-compatibility/2006">
-        <mc:Choice xmlns:a14="http://schemas.microsoft.com/office/drawing/2010/main" Requires="a14">
+      <mc:AlternateContent xmlns:mc="http://schemas.openxmlformats.org/markup-compatibility/2006" xmlns:a14="http://schemas.microsoft.com/office/drawing/2010/main">
+        <mc:Choice Requires="a14">
           <p:sp>
             <p:nvSpPr>
               <p:cNvPr id="3" name="TextBox 2">
@@ -6787,7 +6787,7 @@
             </p:txBody>
           </p:sp>
         </mc:Choice>
-        <mc:Fallback>
+        <mc:Fallback xmlns="">
           <p:sp>
             <p:nvSpPr>
               <p:cNvPr id="3" name="TextBox 2">
@@ -7440,8 +7440,8 @@
           </a:ln>
         </p:spPr>
       </p:sp>
-      <mc:AlternateContent xmlns:mc="http://schemas.openxmlformats.org/markup-compatibility/2006">
-        <mc:Choice xmlns:a14="http://schemas.microsoft.com/office/drawing/2010/main" Requires="a14">
+      <mc:AlternateContent xmlns:mc="http://schemas.openxmlformats.org/markup-compatibility/2006" xmlns:a14="http://schemas.microsoft.com/office/drawing/2010/main">
+        <mc:Choice Requires="a14">
           <p:sp>
             <p:nvSpPr>
               <p:cNvPr id="3" name="TextBox 2">
@@ -7514,7 +7514,7 @@
             </p:txBody>
           </p:sp>
         </mc:Choice>
-        <mc:Fallback>
+        <mc:Fallback xmlns="">
           <p:sp>
             <p:nvSpPr>
               <p:cNvPr id="3" name="TextBox 2">
